--- a/slides/Week5.pptx
+++ b/slides/Week5.pptx
@@ -205,312 +205,13 @@
 <p1510:revInfo xmlns:a="http://schemas.openxmlformats.org/drawingml/2006/main" xmlns:r="http://schemas.openxmlformats.org/officeDocument/2006/relationships" xmlns:p1510="http://schemas.microsoft.com/office/powerpoint/2015/10/main">
   <p1510:revLst>
     <p1510:client id="{8A5C589F-1BDB-437D-B50A-63F2D5E2325B}" v="42" dt="2025-02-11T01:45:01.988"/>
+    <p1510:client id="{EA28F364-E7CB-4A89-8BB7-39E1A2C0E9E2}" v="36" dt="2025-02-11T03:36:11.360"/>
   </p1510:revLst>
 </p1510:revInfo>
 </file>
 
 <file path=ppt/changesInfos/changesInfo1.xml><?xml version="1.0" encoding="utf-8"?>
 <pc:chgInfo xmlns:a="http://schemas.openxmlformats.org/drawingml/2006/main" xmlns:r="http://schemas.openxmlformats.org/officeDocument/2006/relationships" xmlns:ac="http://schemas.microsoft.com/office/drawing/2013/main/command" xmlns:pc="http://schemas.microsoft.com/office/powerpoint/2013/main/command">
-  <pc:docChgLst>
-    <pc:chgData name="Zhao Jin" userId="cd05a825-544c-438a-9ba1-08e63db50b47" providerId="ADAL" clId="{3342749F-A4A3-4CC6-8E89-A279285BF1FF}"/>
-    <pc:docChg chg="undo custSel addSld delSld modSld sldOrd">
-      <pc:chgData name="Zhao Jin" userId="cd05a825-544c-438a-9ba1-08e63db50b47" providerId="ADAL" clId="{3342749F-A4A3-4CC6-8E89-A279285BF1FF}" dt="2021-01-25T08:18:19.440" v="5414" actId="20577"/>
-      <pc:docMkLst>
-        <pc:docMk/>
-      </pc:docMkLst>
-      <pc:sldChg chg="modSp mod">
-        <pc:chgData name="Zhao Jin" userId="cd05a825-544c-438a-9ba1-08e63db50b47" providerId="ADAL" clId="{3342749F-A4A3-4CC6-8E89-A279285BF1FF}" dt="2021-01-21T13:07:41.474" v="4692" actId="20577"/>
-        <pc:sldMkLst>
-          <pc:docMk/>
-          <pc:sldMk cId="2438607696" sldId="468"/>
-        </pc:sldMkLst>
-      </pc:sldChg>
-      <pc:sldChg chg="addSp delSp modSp add mod ord delAnim modAnim">
-        <pc:chgData name="Zhao Jin" userId="cd05a825-544c-438a-9ba1-08e63db50b47" providerId="ADAL" clId="{3342749F-A4A3-4CC6-8E89-A279285BF1FF}" dt="2021-01-21T14:37:58.440" v="5166" actId="1076"/>
-        <pc:sldMkLst>
-          <pc:docMk/>
-          <pc:sldMk cId="1311126165" sldId="485"/>
-        </pc:sldMkLst>
-      </pc:sldChg>
-      <pc:sldChg chg="del">
-        <pc:chgData name="Zhao Jin" userId="cd05a825-544c-438a-9ba1-08e63db50b47" providerId="ADAL" clId="{3342749F-A4A3-4CC6-8E89-A279285BF1FF}" dt="2021-01-21T11:55:17.003" v="1356" actId="47"/>
-        <pc:sldMkLst>
-          <pc:docMk/>
-          <pc:sldMk cId="1691474746" sldId="509"/>
-        </pc:sldMkLst>
-      </pc:sldChg>
-      <pc:sldChg chg="del">
-        <pc:chgData name="Zhao Jin" userId="cd05a825-544c-438a-9ba1-08e63db50b47" providerId="ADAL" clId="{3342749F-A4A3-4CC6-8E89-A279285BF1FF}" dt="2021-01-21T12:46:24.776" v="3775" actId="47"/>
-        <pc:sldMkLst>
-          <pc:docMk/>
-          <pc:sldMk cId="3813801240" sldId="511"/>
-        </pc:sldMkLst>
-      </pc:sldChg>
-      <pc:sldChg chg="del">
-        <pc:chgData name="Zhao Jin" userId="cd05a825-544c-438a-9ba1-08e63db50b47" providerId="ADAL" clId="{3342749F-A4A3-4CC6-8E89-A279285BF1FF}" dt="2021-01-21T12:46:24.776" v="3775" actId="47"/>
-        <pc:sldMkLst>
-          <pc:docMk/>
-          <pc:sldMk cId="39845570" sldId="522"/>
-        </pc:sldMkLst>
-      </pc:sldChg>
-      <pc:sldChg chg="del">
-        <pc:chgData name="Zhao Jin" userId="cd05a825-544c-438a-9ba1-08e63db50b47" providerId="ADAL" clId="{3342749F-A4A3-4CC6-8E89-A279285BF1FF}" dt="2021-01-21T12:46:24.776" v="3775" actId="47"/>
-        <pc:sldMkLst>
-          <pc:docMk/>
-          <pc:sldMk cId="2544506794" sldId="525"/>
-        </pc:sldMkLst>
-      </pc:sldChg>
-      <pc:sldChg chg="del">
-        <pc:chgData name="Zhao Jin" userId="cd05a825-544c-438a-9ba1-08e63db50b47" providerId="ADAL" clId="{3342749F-A4A3-4CC6-8E89-A279285BF1FF}" dt="2021-01-21T12:34:31.848" v="3107" actId="47"/>
-        <pc:sldMkLst>
-          <pc:docMk/>
-          <pc:sldMk cId="1799330761" sldId="528"/>
-        </pc:sldMkLst>
-      </pc:sldChg>
-      <pc:sldChg chg="del">
-        <pc:chgData name="Zhao Jin" userId="cd05a825-544c-438a-9ba1-08e63db50b47" providerId="ADAL" clId="{3342749F-A4A3-4CC6-8E89-A279285BF1FF}" dt="2021-01-21T11:55:17.946" v="1357" actId="47"/>
-        <pc:sldMkLst>
-          <pc:docMk/>
-          <pc:sldMk cId="436156561" sldId="530"/>
-        </pc:sldMkLst>
-      </pc:sldChg>
-      <pc:sldChg chg="addSp delSp modSp mod delAnim modAnim">
-        <pc:chgData name="Zhao Jin" userId="cd05a825-544c-438a-9ba1-08e63db50b47" providerId="ADAL" clId="{3342749F-A4A3-4CC6-8E89-A279285BF1FF}" dt="2021-01-21T13:07:20.308" v="4636" actId="478"/>
-        <pc:sldMkLst>
-          <pc:docMk/>
-          <pc:sldMk cId="681224785" sldId="531"/>
-        </pc:sldMkLst>
-      </pc:sldChg>
-      <pc:sldChg chg="del">
-        <pc:chgData name="Zhao Jin" userId="cd05a825-544c-438a-9ba1-08e63db50b47" providerId="ADAL" clId="{3342749F-A4A3-4CC6-8E89-A279285BF1FF}" dt="2021-01-21T11:55:18.413" v="1358" actId="47"/>
-        <pc:sldMkLst>
-          <pc:docMk/>
-          <pc:sldMk cId="3275268416" sldId="532"/>
-        </pc:sldMkLst>
-      </pc:sldChg>
-      <pc:sldChg chg="del">
-        <pc:chgData name="Zhao Jin" userId="cd05a825-544c-438a-9ba1-08e63db50b47" providerId="ADAL" clId="{3342749F-A4A3-4CC6-8E89-A279285BF1FF}" dt="2021-01-21T12:46:24.776" v="3775" actId="47"/>
-        <pc:sldMkLst>
-          <pc:docMk/>
-          <pc:sldMk cId="4265878996" sldId="534"/>
-        </pc:sldMkLst>
-      </pc:sldChg>
-      <pc:sldChg chg="del">
-        <pc:chgData name="Zhao Jin" userId="cd05a825-544c-438a-9ba1-08e63db50b47" providerId="ADAL" clId="{3342749F-A4A3-4CC6-8E89-A279285BF1FF}" dt="2021-01-21T12:46:24.776" v="3775" actId="47"/>
-        <pc:sldMkLst>
-          <pc:docMk/>
-          <pc:sldMk cId="1582525615" sldId="535"/>
-        </pc:sldMkLst>
-      </pc:sldChg>
-      <pc:sldChg chg="del">
-        <pc:chgData name="Zhao Jin" userId="cd05a825-544c-438a-9ba1-08e63db50b47" providerId="ADAL" clId="{3342749F-A4A3-4CC6-8E89-A279285BF1FF}" dt="2021-01-21T12:46:24.776" v="3775" actId="47"/>
-        <pc:sldMkLst>
-          <pc:docMk/>
-          <pc:sldMk cId="1344427664" sldId="537"/>
-        </pc:sldMkLst>
-      </pc:sldChg>
-      <pc:sldChg chg="del">
-        <pc:chgData name="Zhao Jin" userId="cd05a825-544c-438a-9ba1-08e63db50b47" providerId="ADAL" clId="{3342749F-A4A3-4CC6-8E89-A279285BF1FF}" dt="2021-01-21T12:46:24.776" v="3775" actId="47"/>
-        <pc:sldMkLst>
-          <pc:docMk/>
-          <pc:sldMk cId="2851665547" sldId="538"/>
-        </pc:sldMkLst>
-      </pc:sldChg>
-      <pc:sldChg chg="del">
-        <pc:chgData name="Zhao Jin" userId="cd05a825-544c-438a-9ba1-08e63db50b47" providerId="ADAL" clId="{3342749F-A4A3-4CC6-8E89-A279285BF1FF}" dt="2021-01-21T12:46:24.776" v="3775" actId="47"/>
-        <pc:sldMkLst>
-          <pc:docMk/>
-          <pc:sldMk cId="1293966413" sldId="539"/>
-        </pc:sldMkLst>
-      </pc:sldChg>
-      <pc:sldChg chg="del">
-        <pc:chgData name="Zhao Jin" userId="cd05a825-544c-438a-9ba1-08e63db50b47" providerId="ADAL" clId="{3342749F-A4A3-4CC6-8E89-A279285BF1FF}" dt="2021-01-21T12:46:24.776" v="3775" actId="47"/>
-        <pc:sldMkLst>
-          <pc:docMk/>
-          <pc:sldMk cId="3008340486" sldId="540"/>
-        </pc:sldMkLst>
-      </pc:sldChg>
-      <pc:sldChg chg="del">
-        <pc:chgData name="Zhao Jin" userId="cd05a825-544c-438a-9ba1-08e63db50b47" providerId="ADAL" clId="{3342749F-A4A3-4CC6-8E89-A279285BF1FF}" dt="2021-01-21T12:46:24.776" v="3775" actId="47"/>
-        <pc:sldMkLst>
-          <pc:docMk/>
-          <pc:sldMk cId="3466905673" sldId="541"/>
-        </pc:sldMkLst>
-      </pc:sldChg>
-      <pc:sldChg chg="del">
-        <pc:chgData name="Zhao Jin" userId="cd05a825-544c-438a-9ba1-08e63db50b47" providerId="ADAL" clId="{3342749F-A4A3-4CC6-8E89-A279285BF1FF}" dt="2021-01-21T12:46:24.776" v="3775" actId="47"/>
-        <pc:sldMkLst>
-          <pc:docMk/>
-          <pc:sldMk cId="3028826392" sldId="542"/>
-        </pc:sldMkLst>
-      </pc:sldChg>
-      <pc:sldChg chg="del">
-        <pc:chgData name="Zhao Jin" userId="cd05a825-544c-438a-9ba1-08e63db50b47" providerId="ADAL" clId="{3342749F-A4A3-4CC6-8E89-A279285BF1FF}" dt="2021-01-21T12:46:24.776" v="3775" actId="47"/>
-        <pc:sldMkLst>
-          <pc:docMk/>
-          <pc:sldMk cId="2442193536" sldId="543"/>
-        </pc:sldMkLst>
-      </pc:sldChg>
-      <pc:sldChg chg="del">
-        <pc:chgData name="Zhao Jin" userId="cd05a825-544c-438a-9ba1-08e63db50b47" providerId="ADAL" clId="{3342749F-A4A3-4CC6-8E89-A279285BF1FF}" dt="2021-01-21T12:46:24.776" v="3775" actId="47"/>
-        <pc:sldMkLst>
-          <pc:docMk/>
-          <pc:sldMk cId="3813214823" sldId="544"/>
-        </pc:sldMkLst>
-      </pc:sldChg>
-      <pc:sldChg chg="del">
-        <pc:chgData name="Zhao Jin" userId="cd05a825-544c-438a-9ba1-08e63db50b47" providerId="ADAL" clId="{3342749F-A4A3-4CC6-8E89-A279285BF1FF}" dt="2021-01-21T12:46:24.776" v="3775" actId="47"/>
-        <pc:sldMkLst>
-          <pc:docMk/>
-          <pc:sldMk cId="3246666524" sldId="545"/>
-        </pc:sldMkLst>
-      </pc:sldChg>
-      <pc:sldChg chg="addSp delSp modSp mod addAnim delAnim modAnim">
-        <pc:chgData name="Zhao Jin" userId="cd05a825-544c-438a-9ba1-08e63db50b47" providerId="ADAL" clId="{3342749F-A4A3-4CC6-8E89-A279285BF1FF}" dt="2021-01-25T05:04:08.003" v="5348" actId="20577"/>
-        <pc:sldMkLst>
-          <pc:docMk/>
-          <pc:sldMk cId="901453530" sldId="546"/>
-        </pc:sldMkLst>
-      </pc:sldChg>
-      <pc:sldChg chg="addSp delSp modSp add mod delAnim modAnim">
-        <pc:chgData name="Zhao Jin" userId="cd05a825-544c-438a-9ba1-08e63db50b47" providerId="ADAL" clId="{3342749F-A4A3-4CC6-8E89-A279285BF1FF}" dt="2021-01-21T12:36:01.034" v="3240" actId="20577"/>
-        <pc:sldMkLst>
-          <pc:docMk/>
-          <pc:sldMk cId="884841463" sldId="547"/>
-        </pc:sldMkLst>
-      </pc:sldChg>
-      <pc:sldChg chg="delSp modSp add mod ord">
-        <pc:chgData name="Zhao Jin" userId="cd05a825-544c-438a-9ba1-08e63db50b47" providerId="ADAL" clId="{3342749F-A4A3-4CC6-8E89-A279285BF1FF}" dt="2021-01-21T12:38:32.362" v="3394" actId="13926"/>
-        <pc:sldMkLst>
-          <pc:docMk/>
-          <pc:sldMk cId="1617257579" sldId="548"/>
-        </pc:sldMkLst>
-      </pc:sldChg>
-      <pc:sldChg chg="add del">
-        <pc:chgData name="Zhao Jin" userId="cd05a825-544c-438a-9ba1-08e63db50b47" providerId="ADAL" clId="{3342749F-A4A3-4CC6-8E89-A279285BF1FF}" dt="2021-01-21T11:57:31.154" v="1403"/>
-        <pc:sldMkLst>
-          <pc:docMk/>
-          <pc:sldMk cId="2581467069" sldId="549"/>
-        </pc:sldMkLst>
-      </pc:sldChg>
-      <pc:sldChg chg="addSp delSp modSp add mod ord modAnim">
-        <pc:chgData name="Zhao Jin" userId="cd05a825-544c-438a-9ba1-08e63db50b47" providerId="ADAL" clId="{3342749F-A4A3-4CC6-8E89-A279285BF1FF}" dt="2021-01-25T08:18:19.440" v="5414" actId="20577"/>
-        <pc:sldMkLst>
-          <pc:docMk/>
-          <pc:sldMk cId="3394924879" sldId="549"/>
-        </pc:sldMkLst>
-      </pc:sldChg>
-      <pc:sldChg chg="add del">
-        <pc:chgData name="Zhao Jin" userId="cd05a825-544c-438a-9ba1-08e63db50b47" providerId="ADAL" clId="{3342749F-A4A3-4CC6-8E89-A279285BF1FF}" dt="2021-01-21T12:37:58.528" v="3388"/>
-        <pc:sldMkLst>
-          <pc:docMk/>
-          <pc:sldMk cId="710474135" sldId="550"/>
-        </pc:sldMkLst>
-      </pc:sldChg>
-      <pc:sldChg chg="addSp delSp modSp add mod delAnim modAnim">
-        <pc:chgData name="Zhao Jin" userId="cd05a825-544c-438a-9ba1-08e63db50b47" providerId="ADAL" clId="{3342749F-A4A3-4CC6-8E89-A279285BF1FF}" dt="2021-01-21T13:53:36.950" v="5126" actId="1076"/>
-        <pc:sldMkLst>
-          <pc:docMk/>
-          <pc:sldMk cId="784668950" sldId="550"/>
-        </pc:sldMkLst>
-      </pc:sldChg>
-      <pc:sldChg chg="delSp modSp add del mod">
-        <pc:chgData name="Zhao Jin" userId="cd05a825-544c-438a-9ba1-08e63db50b47" providerId="ADAL" clId="{3342749F-A4A3-4CC6-8E89-A279285BF1FF}" dt="2021-01-21T12:21:46.946" v="2377" actId="47"/>
-        <pc:sldMkLst>
-          <pc:docMk/>
-          <pc:sldMk cId="3613962527" sldId="550"/>
-        </pc:sldMkLst>
-      </pc:sldChg>
-      <pc:sldChg chg="add del">
-        <pc:chgData name="Zhao Jin" userId="cd05a825-544c-438a-9ba1-08e63db50b47" providerId="ADAL" clId="{3342749F-A4A3-4CC6-8E89-A279285BF1FF}" dt="2021-01-21T12:24:02.157" v="2423"/>
-        <pc:sldMkLst>
-          <pc:docMk/>
-          <pc:sldMk cId="3794641356" sldId="550"/>
-        </pc:sldMkLst>
-      </pc:sldChg>
-    </pc:docChg>
-  </pc:docChgLst>
-  <pc:docChgLst>
-    <pc:chgData name="Zhao Jin" userId="cd05a825-544c-438a-9ba1-08e63db50b47" providerId="ADAL" clId="{CD38D953-E846-244A-835A-192CE52710D4}"/>
-    <pc:docChg chg="undo custSel addSld delSld modSld">
-      <pc:chgData name="Zhao Jin" userId="cd05a825-544c-438a-9ba1-08e63db50b47" providerId="ADAL" clId="{CD38D953-E846-244A-835A-192CE52710D4}" dt="2021-01-25T03:26:17.801" v="482" actId="20577"/>
-      <pc:docMkLst>
-        <pc:docMk/>
-      </pc:docMkLst>
-      <pc:sldChg chg="modSp addAnim delAnim modAnim">
-        <pc:chgData name="Zhao Jin" userId="cd05a825-544c-438a-9ba1-08e63db50b47" providerId="ADAL" clId="{CD38D953-E846-244A-835A-192CE52710D4}" dt="2021-01-25T03:18:14.928" v="172"/>
-        <pc:sldMkLst>
-          <pc:docMk/>
-          <pc:sldMk cId="1311126165" sldId="485"/>
-        </pc:sldMkLst>
-      </pc:sldChg>
-      <pc:sldChg chg="modSp">
-        <pc:chgData name="Zhao Jin" userId="cd05a825-544c-438a-9ba1-08e63db50b47" providerId="ADAL" clId="{CD38D953-E846-244A-835A-192CE52710D4}" dt="2021-01-25T03:08:51.440" v="84" actId="20577"/>
-        <pc:sldMkLst>
-          <pc:docMk/>
-          <pc:sldMk cId="901453530" sldId="546"/>
-        </pc:sldMkLst>
-      </pc:sldChg>
-      <pc:sldChg chg="modSp">
-        <pc:chgData name="Zhao Jin" userId="cd05a825-544c-438a-9ba1-08e63db50b47" providerId="ADAL" clId="{CD38D953-E846-244A-835A-192CE52710D4}" dt="2021-01-25T03:11:48.514" v="112" actId="207"/>
-        <pc:sldMkLst>
-          <pc:docMk/>
-          <pc:sldMk cId="884841463" sldId="547"/>
-        </pc:sldMkLst>
-      </pc:sldChg>
-      <pc:sldChg chg="modSp">
-        <pc:chgData name="Zhao Jin" userId="cd05a825-544c-438a-9ba1-08e63db50b47" providerId="ADAL" clId="{CD38D953-E846-244A-835A-192CE52710D4}" dt="2021-01-25T03:10:55.270" v="107" actId="20577"/>
-        <pc:sldMkLst>
-          <pc:docMk/>
-          <pc:sldMk cId="1617257579" sldId="548"/>
-        </pc:sldMkLst>
-      </pc:sldChg>
-      <pc:sldChg chg="addSp delSp modSp delAnim modAnim">
-        <pc:chgData name="Zhao Jin" userId="cd05a825-544c-438a-9ba1-08e63db50b47" providerId="ADAL" clId="{CD38D953-E846-244A-835A-192CE52710D4}" dt="2021-01-25T03:24:05.008" v="382"/>
-        <pc:sldMkLst>
-          <pc:docMk/>
-          <pc:sldMk cId="3394924879" sldId="549"/>
-        </pc:sldMkLst>
-      </pc:sldChg>
-      <pc:sldChg chg="addSp delSp modSp addAnim delAnim modAnim">
-        <pc:chgData name="Zhao Jin" userId="cd05a825-544c-438a-9ba1-08e63db50b47" providerId="ADAL" clId="{CD38D953-E846-244A-835A-192CE52710D4}" dt="2021-01-25T03:26:17.801" v="482" actId="20577"/>
-        <pc:sldMkLst>
-          <pc:docMk/>
-          <pc:sldMk cId="784668950" sldId="550"/>
-        </pc:sldMkLst>
-      </pc:sldChg>
-      <pc:sldChg chg="addSp delSp modSp add del addAnim delAnim">
-        <pc:chgData name="Zhao Jin" userId="cd05a825-544c-438a-9ba1-08e63db50b47" providerId="ADAL" clId="{CD38D953-E846-244A-835A-192CE52710D4}" dt="2021-01-25T03:08:44.385" v="80" actId="2696"/>
-        <pc:sldMkLst>
-          <pc:docMk/>
-          <pc:sldMk cId="335305844" sldId="551"/>
-        </pc:sldMkLst>
-      </pc:sldChg>
-    </pc:docChg>
-  </pc:docChgLst>
-  <pc:docChgLst>
-    <pc:chgData name="Zhao Jin" userId="cd05a825-544c-438a-9ba1-08e63db50b47" providerId="ADAL" clId="{BBE9D547-4B31-704D-9080-47B1CA4D9124}"/>
-    <pc:docChg chg="modSld">
-      <pc:chgData name="Zhao Jin" userId="cd05a825-544c-438a-9ba1-08e63db50b47" providerId="ADAL" clId="{BBE9D547-4B31-704D-9080-47B1CA4D9124}" dt="2021-01-18T05:40:31.767" v="29" actId="114"/>
-      <pc:docMkLst>
-        <pc:docMk/>
-      </pc:docMkLst>
-      <pc:sldChg chg="modSp modAnim">
-        <pc:chgData name="Zhao Jin" userId="cd05a825-544c-438a-9ba1-08e63db50b47" providerId="ADAL" clId="{BBE9D547-4B31-704D-9080-47B1CA4D9124}" dt="2021-01-18T05:39:25.523" v="25"/>
-        <pc:sldMkLst>
-          <pc:docMk/>
-          <pc:sldMk cId="4265878996" sldId="534"/>
-        </pc:sldMkLst>
-      </pc:sldChg>
-      <pc:sldChg chg="modSp">
-        <pc:chgData name="Zhao Jin" userId="cd05a825-544c-438a-9ba1-08e63db50b47" providerId="ADAL" clId="{BBE9D547-4B31-704D-9080-47B1CA4D9124}" dt="2021-01-18T05:40:31.767" v="29" actId="114"/>
-        <pc:sldMkLst>
-          <pc:docMk/>
-          <pc:sldMk cId="2851665547" sldId="538"/>
-        </pc:sldMkLst>
-      </pc:sldChg>
-    </pc:docChg>
-  </pc:docChgLst>
   <pc:docChgLst>
     <pc:chgData name="Zhao Jin" userId="cd05a825-544c-438a-9ba1-08e63db50b47" providerId="ADAL" clId="{8A5C589F-1BDB-437D-B50A-63F2D5E2325B}"/>
     <pc:docChg chg="undo custSel addSld delSld modSld sldOrd">
@@ -737,396 +438,604 @@
     </pc:docChg>
   </pc:docChgLst>
   <pc:docChgLst>
-    <pc:chgData name="Zhao Jin" userId="cd05a825-544c-438a-9ba1-08e63db50b47" providerId="ADAL" clId="{8BE350D2-6936-4764-AEB4-6940700BA7AB}"/>
-    <pc:docChg chg="modSld">
-      <pc:chgData name="Zhao Jin" userId="cd05a825-544c-438a-9ba1-08e63db50b47" providerId="ADAL" clId="{8BE350D2-6936-4764-AEB4-6940700BA7AB}" dt="2024-01-31T05:30:40.452" v="0"/>
+    <pc:chgData name="Zhao Jin" userId="cd05a825-544c-438a-9ba1-08e63db50b47" providerId="ADAL" clId="{3342749F-A4A3-4CC6-8E89-A279285BF1FF}"/>
+    <pc:docChg chg="undo custSel addSld delSld modSld sldOrd">
+      <pc:chgData name="Zhao Jin" userId="cd05a825-544c-438a-9ba1-08e63db50b47" providerId="ADAL" clId="{3342749F-A4A3-4CC6-8E89-A279285BF1FF}" dt="2021-01-25T08:18:19.440" v="5414" actId="20577"/>
       <pc:docMkLst>
         <pc:docMk/>
       </pc:docMkLst>
-      <pc:sldChg chg="addSp modSp">
-        <pc:chgData name="Zhao Jin" userId="cd05a825-544c-438a-9ba1-08e63db50b47" providerId="ADAL" clId="{8BE350D2-6936-4764-AEB4-6940700BA7AB}" dt="2024-01-31T05:30:40.452" v="0"/>
+      <pc:sldChg chg="modSp mod">
+        <pc:chgData name="Zhao Jin" userId="cd05a825-544c-438a-9ba1-08e63db50b47" providerId="ADAL" clId="{3342749F-A4A3-4CC6-8E89-A279285BF1FF}" dt="2021-01-21T13:07:41.474" v="4692" actId="20577"/>
         <pc:sldMkLst>
           <pc:docMk/>
-          <pc:sldMk cId="0" sldId="256"/>
+          <pc:sldMk cId="2438607696" sldId="468"/>
+        </pc:sldMkLst>
+      </pc:sldChg>
+      <pc:sldChg chg="addSp delSp modSp add mod ord delAnim modAnim">
+        <pc:chgData name="Zhao Jin" userId="cd05a825-544c-438a-9ba1-08e63db50b47" providerId="ADAL" clId="{3342749F-A4A3-4CC6-8E89-A279285BF1FF}" dt="2021-01-21T14:37:58.440" v="5166" actId="1076"/>
+        <pc:sldMkLst>
+          <pc:docMk/>
+          <pc:sldMk cId="1311126165" sldId="485"/>
+        </pc:sldMkLst>
+      </pc:sldChg>
+      <pc:sldChg chg="del">
+        <pc:chgData name="Zhao Jin" userId="cd05a825-544c-438a-9ba1-08e63db50b47" providerId="ADAL" clId="{3342749F-A4A3-4CC6-8E89-A279285BF1FF}" dt="2021-01-21T11:55:17.003" v="1356" actId="47"/>
+        <pc:sldMkLst>
+          <pc:docMk/>
+          <pc:sldMk cId="1691474746" sldId="509"/>
+        </pc:sldMkLst>
+      </pc:sldChg>
+      <pc:sldChg chg="del">
+        <pc:chgData name="Zhao Jin" userId="cd05a825-544c-438a-9ba1-08e63db50b47" providerId="ADAL" clId="{3342749F-A4A3-4CC6-8E89-A279285BF1FF}" dt="2021-01-21T12:46:24.776" v="3775" actId="47"/>
+        <pc:sldMkLst>
+          <pc:docMk/>
+          <pc:sldMk cId="3813801240" sldId="511"/>
+        </pc:sldMkLst>
+      </pc:sldChg>
+      <pc:sldChg chg="del">
+        <pc:chgData name="Zhao Jin" userId="cd05a825-544c-438a-9ba1-08e63db50b47" providerId="ADAL" clId="{3342749F-A4A3-4CC6-8E89-A279285BF1FF}" dt="2021-01-21T12:46:24.776" v="3775" actId="47"/>
+        <pc:sldMkLst>
+          <pc:docMk/>
+          <pc:sldMk cId="39845570" sldId="522"/>
+        </pc:sldMkLst>
+      </pc:sldChg>
+      <pc:sldChg chg="del">
+        <pc:chgData name="Zhao Jin" userId="cd05a825-544c-438a-9ba1-08e63db50b47" providerId="ADAL" clId="{3342749F-A4A3-4CC6-8E89-A279285BF1FF}" dt="2021-01-21T12:46:24.776" v="3775" actId="47"/>
+        <pc:sldMkLst>
+          <pc:docMk/>
+          <pc:sldMk cId="2544506794" sldId="525"/>
+        </pc:sldMkLst>
+      </pc:sldChg>
+      <pc:sldChg chg="del">
+        <pc:chgData name="Zhao Jin" userId="cd05a825-544c-438a-9ba1-08e63db50b47" providerId="ADAL" clId="{3342749F-A4A3-4CC6-8E89-A279285BF1FF}" dt="2021-01-21T12:34:31.848" v="3107" actId="47"/>
+        <pc:sldMkLst>
+          <pc:docMk/>
+          <pc:sldMk cId="1799330761" sldId="528"/>
+        </pc:sldMkLst>
+      </pc:sldChg>
+      <pc:sldChg chg="del">
+        <pc:chgData name="Zhao Jin" userId="cd05a825-544c-438a-9ba1-08e63db50b47" providerId="ADAL" clId="{3342749F-A4A3-4CC6-8E89-A279285BF1FF}" dt="2021-01-21T11:55:17.946" v="1357" actId="47"/>
+        <pc:sldMkLst>
+          <pc:docMk/>
+          <pc:sldMk cId="436156561" sldId="530"/>
+        </pc:sldMkLst>
+      </pc:sldChg>
+      <pc:sldChg chg="addSp delSp modSp mod delAnim modAnim">
+        <pc:chgData name="Zhao Jin" userId="cd05a825-544c-438a-9ba1-08e63db50b47" providerId="ADAL" clId="{3342749F-A4A3-4CC6-8E89-A279285BF1FF}" dt="2021-01-21T13:07:20.308" v="4636" actId="478"/>
+        <pc:sldMkLst>
+          <pc:docMk/>
+          <pc:sldMk cId="681224785" sldId="531"/>
+        </pc:sldMkLst>
+      </pc:sldChg>
+      <pc:sldChg chg="del">
+        <pc:chgData name="Zhao Jin" userId="cd05a825-544c-438a-9ba1-08e63db50b47" providerId="ADAL" clId="{3342749F-A4A3-4CC6-8E89-A279285BF1FF}" dt="2021-01-21T11:55:18.413" v="1358" actId="47"/>
+        <pc:sldMkLst>
+          <pc:docMk/>
+          <pc:sldMk cId="3275268416" sldId="532"/>
+        </pc:sldMkLst>
+      </pc:sldChg>
+      <pc:sldChg chg="del">
+        <pc:chgData name="Zhao Jin" userId="cd05a825-544c-438a-9ba1-08e63db50b47" providerId="ADAL" clId="{3342749F-A4A3-4CC6-8E89-A279285BF1FF}" dt="2021-01-21T12:46:24.776" v="3775" actId="47"/>
+        <pc:sldMkLst>
+          <pc:docMk/>
+          <pc:sldMk cId="4265878996" sldId="534"/>
+        </pc:sldMkLst>
+      </pc:sldChg>
+      <pc:sldChg chg="del">
+        <pc:chgData name="Zhao Jin" userId="cd05a825-544c-438a-9ba1-08e63db50b47" providerId="ADAL" clId="{3342749F-A4A3-4CC6-8E89-A279285BF1FF}" dt="2021-01-21T12:46:24.776" v="3775" actId="47"/>
+        <pc:sldMkLst>
+          <pc:docMk/>
+          <pc:sldMk cId="1582525615" sldId="535"/>
+        </pc:sldMkLst>
+      </pc:sldChg>
+      <pc:sldChg chg="del">
+        <pc:chgData name="Zhao Jin" userId="cd05a825-544c-438a-9ba1-08e63db50b47" providerId="ADAL" clId="{3342749F-A4A3-4CC6-8E89-A279285BF1FF}" dt="2021-01-21T12:46:24.776" v="3775" actId="47"/>
+        <pc:sldMkLst>
+          <pc:docMk/>
+          <pc:sldMk cId="1344427664" sldId="537"/>
+        </pc:sldMkLst>
+      </pc:sldChg>
+      <pc:sldChg chg="del">
+        <pc:chgData name="Zhao Jin" userId="cd05a825-544c-438a-9ba1-08e63db50b47" providerId="ADAL" clId="{3342749F-A4A3-4CC6-8E89-A279285BF1FF}" dt="2021-01-21T12:46:24.776" v="3775" actId="47"/>
+        <pc:sldMkLst>
+          <pc:docMk/>
+          <pc:sldMk cId="2851665547" sldId="538"/>
+        </pc:sldMkLst>
+      </pc:sldChg>
+      <pc:sldChg chg="del">
+        <pc:chgData name="Zhao Jin" userId="cd05a825-544c-438a-9ba1-08e63db50b47" providerId="ADAL" clId="{3342749F-A4A3-4CC6-8E89-A279285BF1FF}" dt="2021-01-21T12:46:24.776" v="3775" actId="47"/>
+        <pc:sldMkLst>
+          <pc:docMk/>
+          <pc:sldMk cId="1293966413" sldId="539"/>
+        </pc:sldMkLst>
+      </pc:sldChg>
+      <pc:sldChg chg="del">
+        <pc:chgData name="Zhao Jin" userId="cd05a825-544c-438a-9ba1-08e63db50b47" providerId="ADAL" clId="{3342749F-A4A3-4CC6-8E89-A279285BF1FF}" dt="2021-01-21T12:46:24.776" v="3775" actId="47"/>
+        <pc:sldMkLst>
+          <pc:docMk/>
+          <pc:sldMk cId="3008340486" sldId="540"/>
+        </pc:sldMkLst>
+      </pc:sldChg>
+      <pc:sldChg chg="del">
+        <pc:chgData name="Zhao Jin" userId="cd05a825-544c-438a-9ba1-08e63db50b47" providerId="ADAL" clId="{3342749F-A4A3-4CC6-8E89-A279285BF1FF}" dt="2021-01-21T12:46:24.776" v="3775" actId="47"/>
+        <pc:sldMkLst>
+          <pc:docMk/>
+          <pc:sldMk cId="3466905673" sldId="541"/>
+        </pc:sldMkLst>
+      </pc:sldChg>
+      <pc:sldChg chg="del">
+        <pc:chgData name="Zhao Jin" userId="cd05a825-544c-438a-9ba1-08e63db50b47" providerId="ADAL" clId="{3342749F-A4A3-4CC6-8E89-A279285BF1FF}" dt="2021-01-21T12:46:24.776" v="3775" actId="47"/>
+        <pc:sldMkLst>
+          <pc:docMk/>
+          <pc:sldMk cId="3028826392" sldId="542"/>
+        </pc:sldMkLst>
+      </pc:sldChg>
+      <pc:sldChg chg="del">
+        <pc:chgData name="Zhao Jin" userId="cd05a825-544c-438a-9ba1-08e63db50b47" providerId="ADAL" clId="{3342749F-A4A3-4CC6-8E89-A279285BF1FF}" dt="2021-01-21T12:46:24.776" v="3775" actId="47"/>
+        <pc:sldMkLst>
+          <pc:docMk/>
+          <pc:sldMk cId="2442193536" sldId="543"/>
+        </pc:sldMkLst>
+      </pc:sldChg>
+      <pc:sldChg chg="del">
+        <pc:chgData name="Zhao Jin" userId="cd05a825-544c-438a-9ba1-08e63db50b47" providerId="ADAL" clId="{3342749F-A4A3-4CC6-8E89-A279285BF1FF}" dt="2021-01-21T12:46:24.776" v="3775" actId="47"/>
+        <pc:sldMkLst>
+          <pc:docMk/>
+          <pc:sldMk cId="3813214823" sldId="544"/>
+        </pc:sldMkLst>
+      </pc:sldChg>
+      <pc:sldChg chg="del">
+        <pc:chgData name="Zhao Jin" userId="cd05a825-544c-438a-9ba1-08e63db50b47" providerId="ADAL" clId="{3342749F-A4A3-4CC6-8E89-A279285BF1FF}" dt="2021-01-21T12:46:24.776" v="3775" actId="47"/>
+        <pc:sldMkLst>
+          <pc:docMk/>
+          <pc:sldMk cId="3246666524" sldId="545"/>
+        </pc:sldMkLst>
+      </pc:sldChg>
+      <pc:sldChg chg="addSp delSp modSp mod addAnim delAnim modAnim">
+        <pc:chgData name="Zhao Jin" userId="cd05a825-544c-438a-9ba1-08e63db50b47" providerId="ADAL" clId="{3342749F-A4A3-4CC6-8E89-A279285BF1FF}" dt="2021-01-25T05:04:08.003" v="5348" actId="20577"/>
+        <pc:sldMkLst>
+          <pc:docMk/>
+          <pc:sldMk cId="901453530" sldId="546"/>
+        </pc:sldMkLst>
+      </pc:sldChg>
+      <pc:sldChg chg="addSp delSp modSp add mod delAnim modAnim">
+        <pc:chgData name="Zhao Jin" userId="cd05a825-544c-438a-9ba1-08e63db50b47" providerId="ADAL" clId="{3342749F-A4A3-4CC6-8E89-A279285BF1FF}" dt="2021-01-21T12:36:01.034" v="3240" actId="20577"/>
+        <pc:sldMkLst>
+          <pc:docMk/>
+          <pc:sldMk cId="884841463" sldId="547"/>
+        </pc:sldMkLst>
+      </pc:sldChg>
+      <pc:sldChg chg="delSp modSp add mod ord">
+        <pc:chgData name="Zhao Jin" userId="cd05a825-544c-438a-9ba1-08e63db50b47" providerId="ADAL" clId="{3342749F-A4A3-4CC6-8E89-A279285BF1FF}" dt="2021-01-21T12:38:32.362" v="3394" actId="13926"/>
+        <pc:sldMkLst>
+          <pc:docMk/>
+          <pc:sldMk cId="1617257579" sldId="548"/>
+        </pc:sldMkLst>
+      </pc:sldChg>
+      <pc:sldChg chg="add del">
+        <pc:chgData name="Zhao Jin" userId="cd05a825-544c-438a-9ba1-08e63db50b47" providerId="ADAL" clId="{3342749F-A4A3-4CC6-8E89-A279285BF1FF}" dt="2021-01-21T11:57:31.154" v="1403"/>
+        <pc:sldMkLst>
+          <pc:docMk/>
+          <pc:sldMk cId="2581467069" sldId="549"/>
+        </pc:sldMkLst>
+      </pc:sldChg>
+      <pc:sldChg chg="addSp delSp modSp add mod ord modAnim">
+        <pc:chgData name="Zhao Jin" userId="cd05a825-544c-438a-9ba1-08e63db50b47" providerId="ADAL" clId="{3342749F-A4A3-4CC6-8E89-A279285BF1FF}" dt="2021-01-25T08:18:19.440" v="5414" actId="20577"/>
+        <pc:sldMkLst>
+          <pc:docMk/>
+          <pc:sldMk cId="3394924879" sldId="549"/>
+        </pc:sldMkLst>
+      </pc:sldChg>
+      <pc:sldChg chg="add del">
+        <pc:chgData name="Zhao Jin" userId="cd05a825-544c-438a-9ba1-08e63db50b47" providerId="ADAL" clId="{3342749F-A4A3-4CC6-8E89-A279285BF1FF}" dt="2021-01-21T12:37:58.528" v="3388"/>
+        <pc:sldMkLst>
+          <pc:docMk/>
+          <pc:sldMk cId="710474135" sldId="550"/>
+        </pc:sldMkLst>
+      </pc:sldChg>
+      <pc:sldChg chg="addSp delSp modSp add mod delAnim modAnim">
+        <pc:chgData name="Zhao Jin" userId="cd05a825-544c-438a-9ba1-08e63db50b47" providerId="ADAL" clId="{3342749F-A4A3-4CC6-8E89-A279285BF1FF}" dt="2021-01-21T13:53:36.950" v="5126" actId="1076"/>
+        <pc:sldMkLst>
+          <pc:docMk/>
+          <pc:sldMk cId="784668950" sldId="550"/>
+        </pc:sldMkLst>
+      </pc:sldChg>
+      <pc:sldChg chg="delSp modSp add del mod">
+        <pc:chgData name="Zhao Jin" userId="cd05a825-544c-438a-9ba1-08e63db50b47" providerId="ADAL" clId="{3342749F-A4A3-4CC6-8E89-A279285BF1FF}" dt="2021-01-21T12:21:46.946" v="2377" actId="47"/>
+        <pc:sldMkLst>
+          <pc:docMk/>
+          <pc:sldMk cId="3613962527" sldId="550"/>
+        </pc:sldMkLst>
+      </pc:sldChg>
+      <pc:sldChg chg="add del">
+        <pc:chgData name="Zhao Jin" userId="cd05a825-544c-438a-9ba1-08e63db50b47" providerId="ADAL" clId="{3342749F-A4A3-4CC6-8E89-A279285BF1FF}" dt="2021-01-21T12:24:02.157" v="2423"/>
+        <pc:sldMkLst>
+          <pc:docMk/>
+          <pc:sldMk cId="3794641356" sldId="550"/>
         </pc:sldMkLst>
       </pc:sldChg>
     </pc:docChg>
   </pc:docChgLst>
   <pc:docChgLst>
-    <pc:chgData name="Zhao Jin" userId="cd05a825-544c-438a-9ba1-08e63db50b47" providerId="ADAL" clId="{37A0D694-38DA-4421-B5D3-DEDBFC2EC57C}"/>
-    <pc:docChg chg="undo redo custSel mod addSld delSld modSld sldOrd modMainMaster">
-      <pc:chgData name="Zhao Jin" userId="cd05a825-544c-438a-9ba1-08e63db50b47" providerId="ADAL" clId="{37A0D694-38DA-4421-B5D3-DEDBFC2EC57C}" dt="2021-02-10T03:56:06.306" v="4973" actId="20577"/>
+    <pc:chgData name="Zhao Jin" userId="cd05a825-544c-438a-9ba1-08e63db50b47" providerId="ADAL" clId="{BBE9D547-4B31-704D-9080-47B1CA4D9124}"/>
+    <pc:docChg chg="modSld">
+      <pc:chgData name="Zhao Jin" userId="cd05a825-544c-438a-9ba1-08e63db50b47" providerId="ADAL" clId="{BBE9D547-4B31-704D-9080-47B1CA4D9124}" dt="2021-01-18T05:40:31.767" v="29" actId="114"/>
+      <pc:docMkLst>
+        <pc:docMk/>
+      </pc:docMkLst>
+      <pc:sldChg chg="modSp modAnim">
+        <pc:chgData name="Zhao Jin" userId="cd05a825-544c-438a-9ba1-08e63db50b47" providerId="ADAL" clId="{BBE9D547-4B31-704D-9080-47B1CA4D9124}" dt="2021-01-18T05:39:25.523" v="25"/>
+        <pc:sldMkLst>
+          <pc:docMk/>
+          <pc:sldMk cId="4265878996" sldId="534"/>
+        </pc:sldMkLst>
+      </pc:sldChg>
+      <pc:sldChg chg="modSp">
+        <pc:chgData name="Zhao Jin" userId="cd05a825-544c-438a-9ba1-08e63db50b47" providerId="ADAL" clId="{BBE9D547-4B31-704D-9080-47B1CA4D9124}" dt="2021-01-18T05:40:31.767" v="29" actId="114"/>
+        <pc:sldMkLst>
+          <pc:docMk/>
+          <pc:sldMk cId="2851665547" sldId="538"/>
+        </pc:sldMkLst>
+      </pc:sldChg>
+    </pc:docChg>
+  </pc:docChgLst>
+  <pc:docChgLst>
+    <pc:chgData name="Zhao Jin" userId="cd05a825-544c-438a-9ba1-08e63db50b47" providerId="ADAL" clId="{2707BC5D-D3D5-477E-B1F5-A74E6C040B7D}"/>
+    <pc:docChg chg="undo custSel addSld delSld modSld">
+      <pc:chgData name="Zhao Jin" userId="cd05a825-544c-438a-9ba1-08e63db50b47" providerId="ADAL" clId="{2707BC5D-D3D5-477E-B1F5-A74E6C040B7D}" dt="2024-02-13T01:39:17.114" v="16" actId="20577"/>
+      <pc:docMkLst>
+        <pc:docMk/>
+      </pc:docMkLst>
+      <pc:sldChg chg="add del">
+        <pc:chgData name="Zhao Jin" userId="cd05a825-544c-438a-9ba1-08e63db50b47" providerId="ADAL" clId="{2707BC5D-D3D5-477E-B1F5-A74E6C040B7D}" dt="2024-02-13T01:38:52.557" v="4"/>
+        <pc:sldMkLst>
+          <pc:docMk/>
+          <pc:sldMk cId="1903328497" sldId="521"/>
+        </pc:sldMkLst>
+      </pc:sldChg>
+      <pc:sldChg chg="add del">
+        <pc:chgData name="Zhao Jin" userId="cd05a825-544c-438a-9ba1-08e63db50b47" providerId="ADAL" clId="{2707BC5D-D3D5-477E-B1F5-A74E6C040B7D}" dt="2024-02-13T01:38:44.462" v="1" actId="47"/>
+        <pc:sldMkLst>
+          <pc:docMk/>
+          <pc:sldMk cId="1427618944" sldId="553"/>
+        </pc:sldMkLst>
+      </pc:sldChg>
+      <pc:sldChg chg="addSp delSp modSp add del mod delAnim">
+        <pc:chgData name="Zhao Jin" userId="cd05a825-544c-438a-9ba1-08e63db50b47" providerId="ADAL" clId="{2707BC5D-D3D5-477E-B1F5-A74E6C040B7D}" dt="2024-02-13T01:39:17.114" v="16" actId="20577"/>
+        <pc:sldMkLst>
+          <pc:docMk/>
+          <pc:sldMk cId="92291925" sldId="563"/>
+        </pc:sldMkLst>
+      </pc:sldChg>
+    </pc:docChg>
+  </pc:docChgLst>
+  <pc:docChgLst>
+    <pc:chgData name="Zhao Jin" userId="cd05a825-544c-438a-9ba1-08e63db50b47" providerId="ADAL" clId="{CD38D953-E846-244A-835A-192CE52710D4}"/>
+    <pc:docChg chg="undo custSel addSld delSld modSld">
+      <pc:chgData name="Zhao Jin" userId="cd05a825-544c-438a-9ba1-08e63db50b47" providerId="ADAL" clId="{CD38D953-E846-244A-835A-192CE52710D4}" dt="2021-01-25T03:26:17.801" v="482" actId="20577"/>
+      <pc:docMkLst>
+        <pc:docMk/>
+      </pc:docMkLst>
+      <pc:sldChg chg="modSp addAnim delAnim modAnim">
+        <pc:chgData name="Zhao Jin" userId="cd05a825-544c-438a-9ba1-08e63db50b47" providerId="ADAL" clId="{CD38D953-E846-244A-835A-192CE52710D4}" dt="2021-01-25T03:18:14.928" v="172"/>
+        <pc:sldMkLst>
+          <pc:docMk/>
+          <pc:sldMk cId="1311126165" sldId="485"/>
+        </pc:sldMkLst>
+      </pc:sldChg>
+      <pc:sldChg chg="modSp">
+        <pc:chgData name="Zhao Jin" userId="cd05a825-544c-438a-9ba1-08e63db50b47" providerId="ADAL" clId="{CD38D953-E846-244A-835A-192CE52710D4}" dt="2021-01-25T03:08:51.440" v="84" actId="20577"/>
+        <pc:sldMkLst>
+          <pc:docMk/>
+          <pc:sldMk cId="901453530" sldId="546"/>
+        </pc:sldMkLst>
+      </pc:sldChg>
+      <pc:sldChg chg="modSp">
+        <pc:chgData name="Zhao Jin" userId="cd05a825-544c-438a-9ba1-08e63db50b47" providerId="ADAL" clId="{CD38D953-E846-244A-835A-192CE52710D4}" dt="2021-01-25T03:11:48.514" v="112" actId="207"/>
+        <pc:sldMkLst>
+          <pc:docMk/>
+          <pc:sldMk cId="884841463" sldId="547"/>
+        </pc:sldMkLst>
+      </pc:sldChg>
+      <pc:sldChg chg="modSp">
+        <pc:chgData name="Zhao Jin" userId="cd05a825-544c-438a-9ba1-08e63db50b47" providerId="ADAL" clId="{CD38D953-E846-244A-835A-192CE52710D4}" dt="2021-01-25T03:10:55.270" v="107" actId="20577"/>
+        <pc:sldMkLst>
+          <pc:docMk/>
+          <pc:sldMk cId="1617257579" sldId="548"/>
+        </pc:sldMkLst>
+      </pc:sldChg>
+      <pc:sldChg chg="addSp delSp modSp delAnim modAnim">
+        <pc:chgData name="Zhao Jin" userId="cd05a825-544c-438a-9ba1-08e63db50b47" providerId="ADAL" clId="{CD38D953-E846-244A-835A-192CE52710D4}" dt="2021-01-25T03:24:05.008" v="382"/>
+        <pc:sldMkLst>
+          <pc:docMk/>
+          <pc:sldMk cId="3394924879" sldId="549"/>
+        </pc:sldMkLst>
+      </pc:sldChg>
+      <pc:sldChg chg="addSp delSp modSp addAnim delAnim modAnim">
+        <pc:chgData name="Zhao Jin" userId="cd05a825-544c-438a-9ba1-08e63db50b47" providerId="ADAL" clId="{CD38D953-E846-244A-835A-192CE52710D4}" dt="2021-01-25T03:26:17.801" v="482" actId="20577"/>
+        <pc:sldMkLst>
+          <pc:docMk/>
+          <pc:sldMk cId="784668950" sldId="550"/>
+        </pc:sldMkLst>
+      </pc:sldChg>
+      <pc:sldChg chg="addSp delSp modSp add del addAnim delAnim">
+        <pc:chgData name="Zhao Jin" userId="cd05a825-544c-438a-9ba1-08e63db50b47" providerId="ADAL" clId="{CD38D953-E846-244A-835A-192CE52710D4}" dt="2021-01-25T03:08:44.385" v="80" actId="2696"/>
+        <pc:sldMkLst>
+          <pc:docMk/>
+          <pc:sldMk cId="335305844" sldId="551"/>
+        </pc:sldMkLst>
+      </pc:sldChg>
+    </pc:docChg>
+  </pc:docChgLst>
+  <pc:docChgLst>
+    <pc:chgData name="Zhao Jin" userId="cd05a825-544c-438a-9ba1-08e63db50b47" providerId="ADAL" clId="{EA28F364-E7CB-4A89-8BB7-39E1A2C0E9E2}"/>
+    <pc:docChg chg="modSld">
+      <pc:chgData name="Zhao Jin" userId="cd05a825-544c-438a-9ba1-08e63db50b47" providerId="ADAL" clId="{EA28F364-E7CB-4A89-8BB7-39E1A2C0E9E2}" dt="2025-02-11T03:36:21.718" v="38" actId="1076"/>
+      <pc:docMkLst>
+        <pc:docMk/>
+      </pc:docMkLst>
+      <pc:sldChg chg="addSp modSp mod modAnim">
+        <pc:chgData name="Zhao Jin" userId="cd05a825-544c-438a-9ba1-08e63db50b47" providerId="ADAL" clId="{EA28F364-E7CB-4A89-8BB7-39E1A2C0E9E2}" dt="2025-02-11T03:36:21.718" v="38" actId="1076"/>
+        <pc:sldMkLst>
+          <pc:docMk/>
+          <pc:sldMk cId="2536104531" sldId="603"/>
+        </pc:sldMkLst>
+        <pc:spChg chg="add mod">
+          <ac:chgData name="Zhao Jin" userId="cd05a825-544c-438a-9ba1-08e63db50b47" providerId="ADAL" clId="{EA28F364-E7CB-4A89-8BB7-39E1A2C0E9E2}" dt="2025-02-11T03:36:21.718" v="38" actId="1076"/>
+          <ac:spMkLst>
+            <pc:docMk/>
+            <pc:sldMk cId="2536104531" sldId="603"/>
+            <ac:spMk id="3" creationId="{28A7B86F-5696-DDDD-65FA-05CBF4E66D38}"/>
+          </ac:spMkLst>
+        </pc:spChg>
+      </pc:sldChg>
+    </pc:docChg>
+  </pc:docChgLst>
+  <pc:docChgLst>
+    <pc:chgData name="Zhao Jin" userId="cd05a825-544c-438a-9ba1-08e63db50b47" providerId="ADAL" clId="{B1F7CFED-A664-443A-A173-5DFC1A50598C}"/>
+    <pc:docChg chg="undo custSel addSld delSld modSld sldOrd">
+      <pc:chgData name="Zhao Jin" userId="cd05a825-544c-438a-9ba1-08e63db50b47" providerId="ADAL" clId="{B1F7CFED-A664-443A-A173-5DFC1A50598C}" dt="2021-01-27T11:27:42.250" v="3304" actId="20577"/>
       <pc:docMkLst>
         <pc:docMk/>
       </pc:docMkLst>
       <pc:sldChg chg="modSp mod">
-        <pc:chgData name="Zhao Jin" userId="cd05a825-544c-438a-9ba1-08e63db50b47" providerId="ADAL" clId="{37A0D694-38DA-4421-B5D3-DEDBFC2EC57C}" dt="2021-02-03T06:56:00.570" v="28" actId="20577"/>
-        <pc:sldMkLst>
-          <pc:docMk/>
-          <pc:sldMk cId="0" sldId="256"/>
-        </pc:sldMkLst>
-      </pc:sldChg>
-      <pc:sldChg chg="modSp mod">
-        <pc:chgData name="Zhao Jin" userId="cd05a825-544c-438a-9ba1-08e63db50b47" providerId="ADAL" clId="{37A0D694-38DA-4421-B5D3-DEDBFC2EC57C}" dt="2021-02-10T03:55:38.772" v="4967"/>
+        <pc:chgData name="Zhao Jin" userId="cd05a825-544c-438a-9ba1-08e63db50b47" providerId="ADAL" clId="{B1F7CFED-A664-443A-A173-5DFC1A50598C}" dt="2021-01-27T08:47:23.481" v="3299" actId="20577"/>
         <pc:sldMkLst>
           <pc:docMk/>
           <pc:sldMk cId="2438607696" sldId="468"/>
         </pc:sldMkLst>
       </pc:sldChg>
-      <pc:sldChg chg="modSp del">
-        <pc:chgData name="Zhao Jin" userId="cd05a825-544c-438a-9ba1-08e63db50b47" providerId="ADAL" clId="{37A0D694-38DA-4421-B5D3-DEDBFC2EC57C}" dt="2021-02-03T07:53:06.972" v="43" actId="47"/>
+      <pc:sldChg chg="del">
+        <pc:chgData name="Zhao Jin" userId="cd05a825-544c-438a-9ba1-08e63db50b47" providerId="ADAL" clId="{B1F7CFED-A664-443A-A173-5DFC1A50598C}" dt="2021-01-27T07:50:44.942" v="2858" actId="47"/>
+        <pc:sldMkLst>
+          <pc:docMk/>
+          <pc:sldMk cId="1311126165" sldId="485"/>
+        </pc:sldMkLst>
+      </pc:sldChg>
+      <pc:sldChg chg="delSp modSp mod">
+        <pc:chgData name="Zhao Jin" userId="cd05a825-544c-438a-9ba1-08e63db50b47" providerId="ADAL" clId="{B1F7CFED-A664-443A-A173-5DFC1A50598C}" dt="2021-01-27T08:43:28.344" v="3236"/>
         <pc:sldMkLst>
           <pc:docMk/>
           <pc:sldMk cId="3792232794" sldId="504"/>
         </pc:sldMkLst>
       </pc:sldChg>
-      <pc:sldChg chg="addSp delSp modSp add mod ord modAnim">
-        <pc:chgData name="Zhao Jin" userId="cd05a825-544c-438a-9ba1-08e63db50b47" providerId="ADAL" clId="{37A0D694-38DA-4421-B5D3-DEDBFC2EC57C}" dt="2021-02-10T03:55:38.772" v="4967"/>
+      <pc:sldChg chg="del">
+        <pc:chgData name="Zhao Jin" userId="cd05a825-544c-438a-9ba1-08e63db50b47" providerId="ADAL" clId="{B1F7CFED-A664-443A-A173-5DFC1A50598C}" dt="2021-01-27T07:50:44.942" v="2858" actId="47"/>
         <pc:sldMkLst>
           <pc:docMk/>
-          <pc:sldMk cId="1705639840" sldId="543"/>
+          <pc:sldMk cId="681224785" sldId="531"/>
         </pc:sldMkLst>
       </pc:sldChg>
-      <pc:sldChg chg="modSp del">
-        <pc:chgData name="Zhao Jin" userId="cd05a825-544c-438a-9ba1-08e63db50b47" providerId="ADAL" clId="{37A0D694-38DA-4421-B5D3-DEDBFC2EC57C}" dt="2021-02-03T09:00:14.226" v="1559" actId="47"/>
+      <pc:sldChg chg="addSp delSp modSp add del mod modAnim">
+        <pc:chgData name="Zhao Jin" userId="cd05a825-544c-438a-9ba1-08e63db50b47" providerId="ADAL" clId="{B1F7CFED-A664-443A-A173-5DFC1A50598C}" dt="2021-01-27T07:44:47.950" v="2625" actId="2696"/>
+        <pc:sldMkLst>
+          <pc:docMk/>
+          <pc:sldMk cId="375427509" sldId="545"/>
+        </pc:sldMkLst>
+      </pc:sldChg>
+      <pc:sldChg chg="addSp delSp modSp add del mod delAnim modAnim">
+        <pc:chgData name="Zhao Jin" userId="cd05a825-544c-438a-9ba1-08e63db50b47" providerId="ADAL" clId="{B1F7CFED-A664-443A-A173-5DFC1A50598C}" dt="2021-01-27T07:38:37.769" v="2178" actId="2696"/>
+        <pc:sldMkLst>
+          <pc:docMk/>
+          <pc:sldMk cId="1899776498" sldId="545"/>
+        </pc:sldMkLst>
+      </pc:sldChg>
+      <pc:sldChg chg="addSp delSp modSp add del mod delAnim modAnim">
+        <pc:chgData name="Zhao Jin" userId="cd05a825-544c-438a-9ba1-08e63db50b47" providerId="ADAL" clId="{B1F7CFED-A664-443A-A173-5DFC1A50598C}" dt="2021-01-27T08:38:52.330" v="2929" actId="2696"/>
+        <pc:sldMkLst>
+          <pc:docMk/>
+          <pc:sldMk cId="3702084380" sldId="545"/>
+        </pc:sldMkLst>
+      </pc:sldChg>
+      <pc:sldChg chg="modSp add mod">
+        <pc:chgData name="Zhao Jin" userId="cd05a825-544c-438a-9ba1-08e63db50b47" providerId="ADAL" clId="{B1F7CFED-A664-443A-A173-5DFC1A50598C}" dt="2021-01-27T11:27:42.250" v="3304" actId="20577"/>
         <pc:sldMkLst>
           <pc:docMk/>
           <pc:sldMk cId="4228901100" sldId="545"/>
         </pc:sldMkLst>
       </pc:sldChg>
-      <pc:sldChg chg="modSp del">
-        <pc:chgData name="Zhao Jin" userId="cd05a825-544c-438a-9ba1-08e63db50b47" providerId="ADAL" clId="{37A0D694-38DA-4421-B5D3-DEDBFC2EC57C}" dt="2021-02-03T07:53:07.263" v="44" actId="47"/>
+      <pc:sldChg chg="delSp modSp mod">
+        <pc:chgData name="Zhao Jin" userId="cd05a825-544c-438a-9ba1-08e63db50b47" providerId="ADAL" clId="{B1F7CFED-A664-443A-A173-5DFC1A50598C}" dt="2021-01-27T08:43:28.344" v="3236"/>
         <pc:sldMkLst>
           <pc:docMk/>
           <pc:sldMk cId="4225956616" sldId="546"/>
         </pc:sldMkLst>
       </pc:sldChg>
-      <pc:sldChg chg="modSp del">
-        <pc:chgData name="Zhao Jin" userId="cd05a825-544c-438a-9ba1-08e63db50b47" providerId="ADAL" clId="{37A0D694-38DA-4421-B5D3-DEDBFC2EC57C}" dt="2021-02-03T09:00:14.226" v="1559" actId="47"/>
+      <pc:sldChg chg="addSp delSp modSp mod">
+        <pc:chgData name="Zhao Jin" userId="cd05a825-544c-438a-9ba1-08e63db50b47" providerId="ADAL" clId="{B1F7CFED-A664-443A-A173-5DFC1A50598C}" dt="2021-01-27T07:01:43.927" v="726" actId="207"/>
         <pc:sldMkLst>
           <pc:docMk/>
           <pc:sldMk cId="1617257579" sldId="548"/>
         </pc:sldMkLst>
       </pc:sldChg>
-      <pc:sldChg chg="modSp del">
-        <pc:chgData name="Zhao Jin" userId="cd05a825-544c-438a-9ba1-08e63db50b47" providerId="ADAL" clId="{37A0D694-38DA-4421-B5D3-DEDBFC2EC57C}" dt="2021-02-03T07:53:07.458" v="45" actId="47"/>
+      <pc:sldChg chg="del">
+        <pc:chgData name="Zhao Jin" userId="cd05a825-544c-438a-9ba1-08e63db50b47" providerId="ADAL" clId="{B1F7CFED-A664-443A-A173-5DFC1A50598C}" dt="2021-01-27T07:50:44.942" v="2858" actId="47"/>
+        <pc:sldMkLst>
+          <pc:docMk/>
+          <pc:sldMk cId="3394924879" sldId="549"/>
+        </pc:sldMkLst>
+      </pc:sldChg>
+      <pc:sldChg chg="del">
+        <pc:chgData name="Zhao Jin" userId="cd05a825-544c-438a-9ba1-08e63db50b47" providerId="ADAL" clId="{B1F7CFED-A664-443A-A173-5DFC1A50598C}" dt="2021-01-27T07:50:44.942" v="2858" actId="47"/>
+        <pc:sldMkLst>
+          <pc:docMk/>
+          <pc:sldMk cId="784668950" sldId="550"/>
+        </pc:sldMkLst>
+      </pc:sldChg>
+      <pc:sldChg chg="delSp modSp mod">
+        <pc:chgData name="Zhao Jin" userId="cd05a825-544c-438a-9ba1-08e63db50b47" providerId="ADAL" clId="{B1F7CFED-A664-443A-A173-5DFC1A50598C}" dt="2021-01-27T08:43:28.344" v="3236"/>
         <pc:sldMkLst>
           <pc:docMk/>
           <pc:sldMk cId="3422194935" sldId="552"/>
         </pc:sldMkLst>
       </pc:sldChg>
-      <pc:sldChg chg="addSp delSp modSp mod">
-        <pc:chgData name="Zhao Jin" userId="cd05a825-544c-438a-9ba1-08e63db50b47" providerId="ADAL" clId="{37A0D694-38DA-4421-B5D3-DEDBFC2EC57C}" dt="2021-02-10T03:55:38.772" v="4967"/>
+      <pc:sldChg chg="delSp modSp mod">
+        <pc:chgData name="Zhao Jin" userId="cd05a825-544c-438a-9ba1-08e63db50b47" providerId="ADAL" clId="{B1F7CFED-A664-443A-A173-5DFC1A50598C}" dt="2021-01-27T08:43:28.344" v="3236"/>
         <pc:sldMkLst>
           <pc:docMk/>
           <pc:sldMk cId="1427618944" sldId="553"/>
         </pc:sldMkLst>
       </pc:sldChg>
-      <pc:sldChg chg="modSp del">
-        <pc:chgData name="Zhao Jin" userId="cd05a825-544c-438a-9ba1-08e63db50b47" providerId="ADAL" clId="{37A0D694-38DA-4421-B5D3-DEDBFC2EC57C}" dt="2021-02-03T09:00:14.226" v="1559" actId="47"/>
+      <pc:sldChg chg="delSp modSp mod">
+        <pc:chgData name="Zhao Jin" userId="cd05a825-544c-438a-9ba1-08e63db50b47" providerId="ADAL" clId="{B1F7CFED-A664-443A-A173-5DFC1A50598C}" dt="2021-01-27T08:43:28.344" v="3236"/>
         <pc:sldMkLst>
           <pc:docMk/>
           <pc:sldMk cId="1659983766" sldId="554"/>
         </pc:sldMkLst>
       </pc:sldChg>
-      <pc:sldChg chg="modSp del">
-        <pc:chgData name="Zhao Jin" userId="cd05a825-544c-438a-9ba1-08e63db50b47" providerId="ADAL" clId="{37A0D694-38DA-4421-B5D3-DEDBFC2EC57C}" dt="2021-02-03T09:00:14.226" v="1559" actId="47"/>
+      <pc:sldChg chg="addSp delSp modSp mod">
+        <pc:chgData name="Zhao Jin" userId="cd05a825-544c-438a-9ba1-08e63db50b47" providerId="ADAL" clId="{B1F7CFED-A664-443A-A173-5DFC1A50598C}" dt="2021-01-27T08:43:28.344" v="3236"/>
         <pc:sldMkLst>
           <pc:docMk/>
           <pc:sldMk cId="1268238251" sldId="555"/>
         </pc:sldMkLst>
       </pc:sldChg>
-      <pc:sldChg chg="modSp del">
-        <pc:chgData name="Zhao Jin" userId="cd05a825-544c-438a-9ba1-08e63db50b47" providerId="ADAL" clId="{37A0D694-38DA-4421-B5D3-DEDBFC2EC57C}" dt="2021-02-03T09:00:14.226" v="1559" actId="47"/>
+      <pc:sldChg chg="addSp delSp modSp add mod ord">
+        <pc:chgData name="Zhao Jin" userId="cd05a825-544c-438a-9ba1-08e63db50b47" providerId="ADAL" clId="{B1F7CFED-A664-443A-A173-5DFC1A50598C}" dt="2021-01-27T07:08:25.449" v="1116" actId="207"/>
         <pc:sldMkLst>
           <pc:docMk/>
           <pc:sldMk cId="3990513599" sldId="556"/>
         </pc:sldMkLst>
       </pc:sldChg>
-      <pc:sldChg chg="modSp del">
-        <pc:chgData name="Zhao Jin" userId="cd05a825-544c-438a-9ba1-08e63db50b47" providerId="ADAL" clId="{37A0D694-38DA-4421-B5D3-DEDBFC2EC57C}" dt="2021-02-03T09:00:14.226" v="1559" actId="47"/>
+      <pc:sldChg chg="modSp add mod">
+        <pc:chgData name="Zhao Jin" userId="cd05a825-544c-438a-9ba1-08e63db50b47" providerId="ADAL" clId="{B1F7CFED-A664-443A-A173-5DFC1A50598C}" dt="2021-01-27T07:10:49.029" v="1165" actId="1038"/>
         <pc:sldMkLst>
           <pc:docMk/>
           <pc:sldMk cId="788021743" sldId="557"/>
         </pc:sldMkLst>
       </pc:sldChg>
-      <pc:sldChg chg="addSp delSp modSp add mod ord delAnim modAnim">
-        <pc:chgData name="Zhao Jin" userId="cd05a825-544c-438a-9ba1-08e63db50b47" providerId="ADAL" clId="{37A0D694-38DA-4421-B5D3-DEDBFC2EC57C}" dt="2021-02-10T03:55:38.772" v="4967"/>
-        <pc:sldMkLst>
-          <pc:docMk/>
-          <pc:sldMk cId="487843573" sldId="558"/>
-        </pc:sldMkLst>
-      </pc:sldChg>
-      <pc:sldChg chg="modSp del">
-        <pc:chgData name="Zhao Jin" userId="cd05a825-544c-438a-9ba1-08e63db50b47" providerId="ADAL" clId="{37A0D694-38DA-4421-B5D3-DEDBFC2EC57C}" dt="2021-02-03T09:00:14.226" v="1559" actId="47"/>
+      <pc:sldChg chg="addSp delSp modSp add mod">
+        <pc:chgData name="Zhao Jin" userId="cd05a825-544c-438a-9ba1-08e63db50b47" providerId="ADAL" clId="{B1F7CFED-A664-443A-A173-5DFC1A50598C}" dt="2021-01-27T07:22:06.429" v="1447"/>
         <pc:sldMkLst>
           <pc:docMk/>
           <pc:sldMk cId="686532275" sldId="558"/>
         </pc:sldMkLst>
       </pc:sldChg>
-      <pc:sldChg chg="modSp del">
-        <pc:chgData name="Zhao Jin" userId="cd05a825-544c-438a-9ba1-08e63db50b47" providerId="ADAL" clId="{37A0D694-38DA-4421-B5D3-DEDBFC2EC57C}" dt="2021-02-03T09:00:14.226" v="1559" actId="47"/>
+      <pc:sldChg chg="delSp modSp add mod">
+        <pc:chgData name="Zhao Jin" userId="cd05a825-544c-438a-9ba1-08e63db50b47" providerId="ADAL" clId="{B1F7CFED-A664-443A-A173-5DFC1A50598C}" dt="2021-01-27T08:43:28.344" v="3236"/>
         <pc:sldMkLst>
           <pc:docMk/>
           <pc:sldMk cId="182578491" sldId="559"/>
         </pc:sldMkLst>
       </pc:sldChg>
-      <pc:sldChg chg="modSp del">
-        <pc:chgData name="Zhao Jin" userId="cd05a825-544c-438a-9ba1-08e63db50b47" providerId="ADAL" clId="{37A0D694-38DA-4421-B5D3-DEDBFC2EC57C}" dt="2021-02-03T09:00:14.226" v="1559" actId="47"/>
+      <pc:sldChg chg="add del">
+        <pc:chgData name="Zhao Jin" userId="cd05a825-544c-438a-9ba1-08e63db50b47" providerId="ADAL" clId="{B1F7CFED-A664-443A-A173-5DFC1A50598C}" dt="2021-01-27T07:13:34.600" v="1318" actId="47"/>
+        <pc:sldMkLst>
+          <pc:docMk/>
+          <pc:sldMk cId="730965808" sldId="559"/>
+        </pc:sldMkLst>
+      </pc:sldChg>
+      <pc:sldChg chg="addSp delSp modSp add del mod modAnim">
+        <pc:chgData name="Zhao Jin" userId="cd05a825-544c-438a-9ba1-08e63db50b47" providerId="ADAL" clId="{B1F7CFED-A664-443A-A173-5DFC1A50598C}" dt="2021-01-27T07:44:47.950" v="2625" actId="2696"/>
+        <pc:sldMkLst>
+          <pc:docMk/>
+          <pc:sldMk cId="2685445290" sldId="559"/>
+        </pc:sldMkLst>
+      </pc:sldChg>
+      <pc:sldChg chg="add del">
+        <pc:chgData name="Zhao Jin" userId="cd05a825-544c-438a-9ba1-08e63db50b47" providerId="ADAL" clId="{B1F7CFED-A664-443A-A173-5DFC1A50598C}" dt="2021-01-27T07:11:52.838" v="1191"/>
+        <pc:sldMkLst>
+          <pc:docMk/>
+          <pc:sldMk cId="3573907213" sldId="559"/>
+        </pc:sldMkLst>
+      </pc:sldChg>
+      <pc:sldChg chg="add del">
+        <pc:chgData name="Zhao Jin" userId="cd05a825-544c-438a-9ba1-08e63db50b47" providerId="ADAL" clId="{B1F7CFED-A664-443A-A173-5DFC1A50598C}" dt="2021-01-27T08:38:52.330" v="2929" actId="2696"/>
+        <pc:sldMkLst>
+          <pc:docMk/>
+          <pc:sldMk cId="3681791183" sldId="559"/>
+        </pc:sldMkLst>
+      </pc:sldChg>
+      <pc:sldChg chg="add del">
+        <pc:chgData name="Zhao Jin" userId="cd05a825-544c-438a-9ba1-08e63db50b47" providerId="ADAL" clId="{B1F7CFED-A664-443A-A173-5DFC1A50598C}" dt="2021-01-27T07:44:47.950" v="2625" actId="2696"/>
+        <pc:sldMkLst>
+          <pc:docMk/>
+          <pc:sldMk cId="705142466" sldId="560"/>
+        </pc:sldMkLst>
+      </pc:sldChg>
+      <pc:sldChg chg="delSp modSp add del mod">
+        <pc:chgData name="Zhao Jin" userId="cd05a825-544c-438a-9ba1-08e63db50b47" providerId="ADAL" clId="{B1F7CFED-A664-443A-A173-5DFC1A50598C}" dt="2021-01-27T11:27:21.918" v="3300" actId="47"/>
+        <pc:sldMkLst>
+          <pc:docMk/>
+          <pc:sldMk cId="2633024700" sldId="560"/>
+        </pc:sldMkLst>
+      </pc:sldChg>
+      <pc:sldChg chg="add del">
+        <pc:chgData name="Zhao Jin" userId="cd05a825-544c-438a-9ba1-08e63db50b47" providerId="ADAL" clId="{B1F7CFED-A664-443A-A173-5DFC1A50598C}" dt="2021-01-27T08:38:52.330" v="2929" actId="2696"/>
+        <pc:sldMkLst>
+          <pc:docMk/>
+          <pc:sldMk cId="3566869056" sldId="560"/>
+        </pc:sldMkLst>
+      </pc:sldChg>
+      <pc:sldChg chg="addSp delSp modSp add del mod">
+        <pc:chgData name="Zhao Jin" userId="cd05a825-544c-438a-9ba1-08e63db50b47" providerId="ADAL" clId="{B1F7CFED-A664-443A-A173-5DFC1A50598C}" dt="2021-01-27T07:49:21.777" v="2832" actId="47"/>
+        <pc:sldMkLst>
+          <pc:docMk/>
+          <pc:sldMk cId="3148407277" sldId="561"/>
+        </pc:sldMkLst>
+      </pc:sldChg>
+      <pc:sldChg chg="addSp delSp modSp add del mod">
+        <pc:chgData name="Zhao Jin" userId="cd05a825-544c-438a-9ba1-08e63db50b47" providerId="ADAL" clId="{B1F7CFED-A664-443A-A173-5DFC1A50598C}" dt="2021-01-27T08:38:52.330" v="2929" actId="2696"/>
+        <pc:sldMkLst>
+          <pc:docMk/>
+          <pc:sldMk cId="1212688123" sldId="562"/>
+        </pc:sldMkLst>
+      </pc:sldChg>
+      <pc:sldChg chg="modSp add mod">
+        <pc:chgData name="Zhao Jin" userId="cd05a825-544c-438a-9ba1-08e63db50b47" providerId="ADAL" clId="{B1F7CFED-A664-443A-A173-5DFC1A50598C}" dt="2021-01-27T11:27:39.570" v="3303" actId="20577"/>
         <pc:sldMkLst>
           <pc:docMk/>
           <pc:sldMk cId="2739484572" sldId="562"/>
         </pc:sldMkLst>
       </pc:sldChg>
-      <pc:sldChg chg="delSp modSp add del mod">
-        <pc:chgData name="Zhao Jin" userId="cd05a825-544c-438a-9ba1-08e63db50b47" providerId="ADAL" clId="{37A0D694-38DA-4421-B5D3-DEDBFC2EC57C}" dt="2021-02-10T03:55:38.772" v="4967"/>
+      <pc:sldChg chg="add del">
+        <pc:chgData name="Zhao Jin" userId="cd05a825-544c-438a-9ba1-08e63db50b47" providerId="ADAL" clId="{B1F7CFED-A664-443A-A173-5DFC1A50598C}" dt="2021-01-27T07:47:00.213" v="2716"/>
         <pc:sldMkLst>
           <pc:docMk/>
-          <pc:sldMk cId="92291925" sldId="563"/>
+          <pc:sldMk cId="3295203065" sldId="562"/>
         </pc:sldMkLst>
       </pc:sldChg>
-      <pc:sldChg chg="addSp delSp modSp add mod addAnim delAnim modAnim">
-        <pc:chgData name="Zhao Jin" userId="cd05a825-544c-438a-9ba1-08e63db50b47" providerId="ADAL" clId="{37A0D694-38DA-4421-B5D3-DEDBFC2EC57C}" dt="2021-02-10T03:55:38.772" v="4967"/>
+      <pc:sldChg chg="addSp delSp modSp add del mod delAnim">
+        <pc:chgData name="Zhao Jin" userId="cd05a825-544c-438a-9ba1-08e63db50b47" providerId="ADAL" clId="{B1F7CFED-A664-443A-A173-5DFC1A50598C}" dt="2021-01-27T07:45:01.753" v="2627" actId="47"/>
         <pc:sldMkLst>
           <pc:docMk/>
-          <pc:sldMk cId="894186310" sldId="564"/>
-        </pc:sldMkLst>
-      </pc:sldChg>
-      <pc:sldChg chg="delSp modSp add mod">
-        <pc:chgData name="Zhao Jin" userId="cd05a825-544c-438a-9ba1-08e63db50b47" providerId="ADAL" clId="{37A0D694-38DA-4421-B5D3-DEDBFC2EC57C}" dt="2021-02-10T03:55:38.772" v="4967"/>
-        <pc:sldMkLst>
-          <pc:docMk/>
-          <pc:sldMk cId="1732540191" sldId="568"/>
-        </pc:sldMkLst>
-      </pc:sldChg>
-      <pc:sldChg chg="addSp delSp modSp add mod delAnim modAnim">
-        <pc:chgData name="Zhao Jin" userId="cd05a825-544c-438a-9ba1-08e63db50b47" providerId="ADAL" clId="{37A0D694-38DA-4421-B5D3-DEDBFC2EC57C}" dt="2021-02-10T03:56:06.306" v="4973" actId="20577"/>
-        <pc:sldMkLst>
-          <pc:docMk/>
-          <pc:sldMk cId="3229890649" sldId="569"/>
-        </pc:sldMkLst>
-      </pc:sldChg>
-      <pc:sldChg chg="addSp delSp modSp add del mod">
-        <pc:chgData name="Zhao Jin" userId="cd05a825-544c-438a-9ba1-08e63db50b47" providerId="ADAL" clId="{37A0D694-38DA-4421-B5D3-DEDBFC2EC57C}" dt="2021-02-10T03:55:38.772" v="4967"/>
-        <pc:sldMkLst>
-          <pc:docMk/>
-          <pc:sldMk cId="3922430229" sldId="580"/>
-        </pc:sldMkLst>
-      </pc:sldChg>
-      <pc:sldChg chg="delSp modSp add mod">
-        <pc:chgData name="Zhao Jin" userId="cd05a825-544c-438a-9ba1-08e63db50b47" providerId="ADAL" clId="{37A0D694-38DA-4421-B5D3-DEDBFC2EC57C}" dt="2021-02-10T03:55:38.772" v="4967"/>
-        <pc:sldMkLst>
-          <pc:docMk/>
-          <pc:sldMk cId="1886636263" sldId="581"/>
-        </pc:sldMkLst>
-      </pc:sldChg>
-      <pc:sldChg chg="modSp add del mod">
-        <pc:chgData name="Zhao Jin" userId="cd05a825-544c-438a-9ba1-08e63db50b47" providerId="ADAL" clId="{37A0D694-38DA-4421-B5D3-DEDBFC2EC57C}" dt="2021-02-03T08:47:45.744" v="1076" actId="47"/>
-        <pc:sldMkLst>
-          <pc:docMk/>
-          <pc:sldMk cId="893488834" sldId="587"/>
-        </pc:sldMkLst>
-      </pc:sldChg>
-      <pc:sldChg chg="addSp modSp add del mod">
-        <pc:chgData name="Zhao Jin" userId="cd05a825-544c-438a-9ba1-08e63db50b47" providerId="ADAL" clId="{37A0D694-38DA-4421-B5D3-DEDBFC2EC57C}" dt="2021-02-03T08:47:43.004" v="1075" actId="47"/>
-        <pc:sldMkLst>
-          <pc:docMk/>
-          <pc:sldMk cId="2663336489" sldId="588"/>
-        </pc:sldMkLst>
-      </pc:sldChg>
-      <pc:sldChg chg="addSp delSp modSp add mod">
-        <pc:chgData name="Zhao Jin" userId="cd05a825-544c-438a-9ba1-08e63db50b47" providerId="ADAL" clId="{37A0D694-38DA-4421-B5D3-DEDBFC2EC57C}" dt="2021-02-10T03:55:38.772" v="4967"/>
-        <pc:sldMkLst>
-          <pc:docMk/>
-          <pc:sldMk cId="211149325" sldId="589"/>
-        </pc:sldMkLst>
-      </pc:sldChg>
-      <pc:sldChg chg="addSp delSp modSp add mod delAnim modAnim">
-        <pc:chgData name="Zhao Jin" userId="cd05a825-544c-438a-9ba1-08e63db50b47" providerId="ADAL" clId="{37A0D694-38DA-4421-B5D3-DEDBFC2EC57C}" dt="2021-02-10T03:55:38.772" v="4967"/>
-        <pc:sldMkLst>
-          <pc:docMk/>
-          <pc:sldMk cId="4156536479" sldId="590"/>
-        </pc:sldMkLst>
-      </pc:sldChg>
-      <pc:sldChg chg="addSp delSp modSp add mod delAnim">
-        <pc:chgData name="Zhao Jin" userId="cd05a825-544c-438a-9ba1-08e63db50b47" providerId="ADAL" clId="{37A0D694-38DA-4421-B5D3-DEDBFC2EC57C}" dt="2021-02-10T03:55:38.772" v="4967"/>
-        <pc:sldMkLst>
-          <pc:docMk/>
-          <pc:sldMk cId="567798019" sldId="591"/>
-        </pc:sldMkLst>
-      </pc:sldChg>
-      <pc:sldChg chg="addSp delSp modSp add mod delAnim">
-        <pc:chgData name="Zhao Jin" userId="cd05a825-544c-438a-9ba1-08e63db50b47" providerId="ADAL" clId="{37A0D694-38DA-4421-B5D3-DEDBFC2EC57C}" dt="2021-02-10T03:55:38.772" v="4967"/>
-        <pc:sldMkLst>
-          <pc:docMk/>
-          <pc:sldMk cId="137810324" sldId="592"/>
-        </pc:sldMkLst>
-      </pc:sldChg>
-      <pc:sldChg chg="addSp delSp modSp add mod">
-        <pc:chgData name="Zhao Jin" userId="cd05a825-544c-438a-9ba1-08e63db50b47" providerId="ADAL" clId="{37A0D694-38DA-4421-B5D3-DEDBFC2EC57C}" dt="2021-02-10T03:55:38.772" v="4967"/>
-        <pc:sldMkLst>
-          <pc:docMk/>
-          <pc:sldMk cId="3233082706" sldId="593"/>
+          <pc:sldMk cId="3302621336" sldId="572"/>
         </pc:sldMkLst>
       </pc:sldChg>
       <pc:sldChg chg="add del">
-        <pc:chgData name="Zhao Jin" userId="cd05a825-544c-438a-9ba1-08e63db50b47" providerId="ADAL" clId="{37A0D694-38DA-4421-B5D3-DEDBFC2EC57C}" dt="2021-02-03T08:52:31.399" v="1274"/>
+        <pc:chgData name="Zhao Jin" userId="cd05a825-544c-438a-9ba1-08e63db50b47" providerId="ADAL" clId="{B1F7CFED-A664-443A-A173-5DFC1A50598C}" dt="2021-01-27T07:28:38.512" v="1708"/>
         <pc:sldMkLst>
           <pc:docMk/>
-          <pc:sldMk cId="2125946801" sldId="594"/>
+          <pc:sldMk cId="2030195840" sldId="573"/>
         </pc:sldMkLst>
       </pc:sldChg>
-      <pc:sldChg chg="addSp delSp modSp add mod delAnim">
-        <pc:chgData name="Zhao Jin" userId="cd05a825-544c-438a-9ba1-08e63db50b47" providerId="ADAL" clId="{37A0D694-38DA-4421-B5D3-DEDBFC2EC57C}" dt="2021-02-10T03:55:38.772" v="4967"/>
+      <pc:sldChg chg="add del">
+        <pc:chgData name="Zhao Jin" userId="cd05a825-544c-438a-9ba1-08e63db50b47" providerId="ADAL" clId="{B1F7CFED-A664-443A-A173-5DFC1A50598C}" dt="2021-01-27T07:23:10.496" v="1527" actId="47"/>
         <pc:sldMkLst>
           <pc:docMk/>
-          <pc:sldMk cId="2217225800" sldId="594"/>
+          <pc:sldMk cId="3321788103" sldId="573"/>
         </pc:sldMkLst>
       </pc:sldChg>
-      <pc:sldChg chg="addSp modSp add mod">
-        <pc:chgData name="Zhao Jin" userId="cd05a825-544c-438a-9ba1-08e63db50b47" providerId="ADAL" clId="{37A0D694-38DA-4421-B5D3-DEDBFC2EC57C}" dt="2021-02-10T03:55:38.772" v="4967"/>
-        <pc:sldMkLst>
-          <pc:docMk/>
-          <pc:sldMk cId="2419983458" sldId="595"/>
-        </pc:sldMkLst>
-      </pc:sldChg>
-      <pc:sldChg chg="addSp delSp modSp add del mod delAnim">
-        <pc:chgData name="Zhao Jin" userId="cd05a825-544c-438a-9ba1-08e63db50b47" providerId="ADAL" clId="{37A0D694-38DA-4421-B5D3-DEDBFC2EC57C}" dt="2021-02-03T09:05:13.520" v="1668" actId="47"/>
-        <pc:sldMkLst>
-          <pc:docMk/>
-          <pc:sldMk cId="765980287" sldId="596"/>
-        </pc:sldMkLst>
-      </pc:sldChg>
-      <pc:sldChg chg="addSp delSp modSp add mod delAnim modAnim">
-        <pc:chgData name="Zhao Jin" userId="cd05a825-544c-438a-9ba1-08e63db50b47" providerId="ADAL" clId="{37A0D694-38DA-4421-B5D3-DEDBFC2EC57C}" dt="2021-02-10T03:55:38.772" v="4967"/>
-        <pc:sldMkLst>
-          <pc:docMk/>
-          <pc:sldMk cId="3643682471" sldId="596"/>
-        </pc:sldMkLst>
-      </pc:sldChg>
-      <pc:sldChg chg="delSp modSp add mod modAnim">
-        <pc:chgData name="Zhao Jin" userId="cd05a825-544c-438a-9ba1-08e63db50b47" providerId="ADAL" clId="{37A0D694-38DA-4421-B5D3-DEDBFC2EC57C}" dt="2021-02-10T03:55:38.772" v="4967"/>
-        <pc:sldMkLst>
-          <pc:docMk/>
-          <pc:sldMk cId="3231946261" sldId="597"/>
-        </pc:sldMkLst>
-      </pc:sldChg>
-      <pc:sldChg chg="delSp modSp add mod ord">
-        <pc:chgData name="Zhao Jin" userId="cd05a825-544c-438a-9ba1-08e63db50b47" providerId="ADAL" clId="{37A0D694-38DA-4421-B5D3-DEDBFC2EC57C}" dt="2021-02-10T03:55:38.772" v="4967"/>
-        <pc:sldMkLst>
-          <pc:docMk/>
-          <pc:sldMk cId="4002657513" sldId="598"/>
-        </pc:sldMkLst>
-      </pc:sldChg>
-      <pc:sldChg chg="addSp delSp modSp add mod ord modClrScheme addAnim delAnim modAnim chgLayout">
-        <pc:chgData name="Zhao Jin" userId="cd05a825-544c-438a-9ba1-08e63db50b47" providerId="ADAL" clId="{37A0D694-38DA-4421-B5D3-DEDBFC2EC57C}" dt="2021-02-10T03:55:38.772" v="4967"/>
-        <pc:sldMkLst>
-          <pc:docMk/>
-          <pc:sldMk cId="2930953569" sldId="599"/>
-        </pc:sldMkLst>
-      </pc:sldChg>
-      <pc:sldChg chg="addSp delSp modSp add mod ord delAnim modAnim">
-        <pc:chgData name="Zhao Jin" userId="cd05a825-544c-438a-9ba1-08e63db50b47" providerId="ADAL" clId="{37A0D694-38DA-4421-B5D3-DEDBFC2EC57C}" dt="2021-02-10T03:55:38.772" v="4967"/>
-        <pc:sldMkLst>
-          <pc:docMk/>
-          <pc:sldMk cId="880934081" sldId="600"/>
-        </pc:sldMkLst>
-      </pc:sldChg>
-      <pc:sldMasterChg chg="modSp modSldLayout">
-        <pc:chgData name="Zhao Jin" userId="cd05a825-544c-438a-9ba1-08e63db50b47" providerId="ADAL" clId="{37A0D694-38DA-4421-B5D3-DEDBFC2EC57C}" dt="2021-02-10T03:55:38.772" v="4967"/>
-        <pc:sldMasterMkLst>
-          <pc:docMk/>
-          <pc:sldMasterMk cId="0" sldId="2147485087"/>
-        </pc:sldMasterMkLst>
-        <pc:sldLayoutChg chg="modSp">
-          <pc:chgData name="Zhao Jin" userId="cd05a825-544c-438a-9ba1-08e63db50b47" providerId="ADAL" clId="{37A0D694-38DA-4421-B5D3-DEDBFC2EC57C}" dt="2021-02-10T03:55:38.772" v="4967"/>
-          <pc:sldLayoutMkLst>
-            <pc:docMk/>
-            <pc:sldMasterMk cId="0" sldId="2147485087"/>
-            <pc:sldLayoutMk cId="0" sldId="2147485088"/>
-          </pc:sldLayoutMkLst>
-        </pc:sldLayoutChg>
-        <pc:sldLayoutChg chg="modSp">
-          <pc:chgData name="Zhao Jin" userId="cd05a825-544c-438a-9ba1-08e63db50b47" providerId="ADAL" clId="{37A0D694-38DA-4421-B5D3-DEDBFC2EC57C}" dt="2021-02-10T03:55:38.772" v="4967"/>
-          <pc:sldLayoutMkLst>
-            <pc:docMk/>
-            <pc:sldMasterMk cId="0" sldId="2147485087"/>
-            <pc:sldLayoutMk cId="0" sldId="2147485089"/>
-          </pc:sldLayoutMkLst>
-        </pc:sldLayoutChg>
-        <pc:sldLayoutChg chg="modSp">
-          <pc:chgData name="Zhao Jin" userId="cd05a825-544c-438a-9ba1-08e63db50b47" providerId="ADAL" clId="{37A0D694-38DA-4421-B5D3-DEDBFC2EC57C}" dt="2021-02-10T03:55:38.772" v="4967"/>
-          <pc:sldLayoutMkLst>
-            <pc:docMk/>
-            <pc:sldMasterMk cId="0" sldId="2147485087"/>
-            <pc:sldLayoutMk cId="0" sldId="2147485090"/>
-          </pc:sldLayoutMkLst>
-        </pc:sldLayoutChg>
-        <pc:sldLayoutChg chg="modSp">
-          <pc:chgData name="Zhao Jin" userId="cd05a825-544c-438a-9ba1-08e63db50b47" providerId="ADAL" clId="{37A0D694-38DA-4421-B5D3-DEDBFC2EC57C}" dt="2021-02-10T03:55:38.772" v="4967"/>
-          <pc:sldLayoutMkLst>
-            <pc:docMk/>
-            <pc:sldMasterMk cId="0" sldId="2147485087"/>
-            <pc:sldLayoutMk cId="0" sldId="2147485091"/>
-          </pc:sldLayoutMkLst>
-        </pc:sldLayoutChg>
-        <pc:sldLayoutChg chg="modSp">
-          <pc:chgData name="Zhao Jin" userId="cd05a825-544c-438a-9ba1-08e63db50b47" providerId="ADAL" clId="{37A0D694-38DA-4421-B5D3-DEDBFC2EC57C}" dt="2021-02-10T03:55:38.772" v="4967"/>
-          <pc:sldLayoutMkLst>
-            <pc:docMk/>
-            <pc:sldMasterMk cId="0" sldId="2147485087"/>
-            <pc:sldLayoutMk cId="0" sldId="2147485092"/>
-          </pc:sldLayoutMkLst>
-        </pc:sldLayoutChg>
-        <pc:sldLayoutChg chg="modSp">
-          <pc:chgData name="Zhao Jin" userId="cd05a825-544c-438a-9ba1-08e63db50b47" providerId="ADAL" clId="{37A0D694-38DA-4421-B5D3-DEDBFC2EC57C}" dt="2021-02-10T03:55:38.772" v="4967"/>
-          <pc:sldLayoutMkLst>
-            <pc:docMk/>
-            <pc:sldMasterMk cId="0" sldId="2147485087"/>
-            <pc:sldLayoutMk cId="0" sldId="2147485093"/>
-          </pc:sldLayoutMkLst>
-        </pc:sldLayoutChg>
-        <pc:sldLayoutChg chg="modSp">
-          <pc:chgData name="Zhao Jin" userId="cd05a825-544c-438a-9ba1-08e63db50b47" providerId="ADAL" clId="{37A0D694-38DA-4421-B5D3-DEDBFC2EC57C}" dt="2021-02-10T03:55:38.772" v="4967"/>
-          <pc:sldLayoutMkLst>
-            <pc:docMk/>
-            <pc:sldMasterMk cId="0" sldId="2147485087"/>
-            <pc:sldLayoutMk cId="0" sldId="2147485094"/>
-          </pc:sldLayoutMkLst>
-        </pc:sldLayoutChg>
-        <pc:sldLayoutChg chg="modSp">
-          <pc:chgData name="Zhao Jin" userId="cd05a825-544c-438a-9ba1-08e63db50b47" providerId="ADAL" clId="{37A0D694-38DA-4421-B5D3-DEDBFC2EC57C}" dt="2021-02-10T03:55:38.772" v="4967"/>
-          <pc:sldLayoutMkLst>
-            <pc:docMk/>
-            <pc:sldMasterMk cId="0" sldId="2147485087"/>
-            <pc:sldLayoutMk cId="0" sldId="2147485095"/>
-          </pc:sldLayoutMkLst>
-        </pc:sldLayoutChg>
-        <pc:sldLayoutChg chg="modSp">
-          <pc:chgData name="Zhao Jin" userId="cd05a825-544c-438a-9ba1-08e63db50b47" providerId="ADAL" clId="{37A0D694-38DA-4421-B5D3-DEDBFC2EC57C}" dt="2021-02-10T03:55:38.772" v="4967"/>
-          <pc:sldLayoutMkLst>
-            <pc:docMk/>
-            <pc:sldMasterMk cId="0" sldId="2147485087"/>
-            <pc:sldLayoutMk cId="0" sldId="2147485096"/>
-          </pc:sldLayoutMkLst>
-        </pc:sldLayoutChg>
-        <pc:sldLayoutChg chg="modSp">
-          <pc:chgData name="Zhao Jin" userId="cd05a825-544c-438a-9ba1-08e63db50b47" providerId="ADAL" clId="{37A0D694-38DA-4421-B5D3-DEDBFC2EC57C}" dt="2021-02-10T03:55:38.772" v="4967"/>
-          <pc:sldLayoutMkLst>
-            <pc:docMk/>
-            <pc:sldMasterMk cId="0" sldId="2147485087"/>
-            <pc:sldLayoutMk cId="0" sldId="2147485097"/>
-          </pc:sldLayoutMkLst>
-        </pc:sldLayoutChg>
-        <pc:sldLayoutChg chg="modSp">
-          <pc:chgData name="Zhao Jin" userId="cd05a825-544c-438a-9ba1-08e63db50b47" providerId="ADAL" clId="{37A0D694-38DA-4421-B5D3-DEDBFC2EC57C}" dt="2021-02-10T03:55:38.772" v="4967"/>
-          <pc:sldLayoutMkLst>
-            <pc:docMk/>
-            <pc:sldMasterMk cId="0" sldId="2147485087"/>
-            <pc:sldLayoutMk cId="0" sldId="2147485098"/>
-          </pc:sldLayoutMkLst>
-        </pc:sldLayoutChg>
-      </pc:sldMasterChg>
     </pc:docChg>
   </pc:docChgLst>
   <pc:docChgLst>
@@ -1322,14 +1231,6 @@
           <pc:docMk/>
           <pc:sldMk cId="3229890649" sldId="569"/>
         </pc:sldMkLst>
-        <pc:spChg chg="mod">
-          <ac:chgData name="Zhao Jin" userId="cd05a825-544c-438a-9ba1-08e63db50b47" providerId="ADAL" clId="{5F998E2E-B309-419F-B2D3-DDA136AC9ACF}" dt="2025-01-07T07:41:51.450" v="1"/>
-          <ac:spMkLst>
-            <pc:docMk/>
-            <pc:sldMk cId="3229890649" sldId="569"/>
-            <ac:spMk id="2" creationId="{8E245ED5-AA71-15EB-E3E6-E2B173D2D8A3}"/>
-          </ac:spMkLst>
-        </pc:spChg>
       </pc:sldChg>
       <pc:sldChg chg="modSp">
         <pc:chgData name="Zhao Jin" userId="cd05a825-544c-438a-9ba1-08e63db50b47" providerId="ADAL" clId="{5F998E2E-B309-419F-B2D3-DDA136AC9ACF}" dt="2025-01-07T07:41:51.450" v="1"/>
@@ -1783,35 +1684,380 @@
     </pc:docChg>
   </pc:docChgLst>
   <pc:docChgLst>
-    <pc:chgData name="Zhao Jin" userId="cd05a825-544c-438a-9ba1-08e63db50b47" providerId="ADAL" clId="{A5D2469F-D67A-41CC-8F01-671A516530F2}"/>
-    <pc:docChg chg="custSel modSld">
-      <pc:chgData name="Zhao Jin" userId="cd05a825-544c-438a-9ba1-08e63db50b47" providerId="ADAL" clId="{A5D2469F-D67A-41CC-8F01-671A516530F2}" dt="2021-04-07T08:36:27.560" v="1" actId="478"/>
+    <pc:chgData name="Zhao Jin" userId="cd05a825-544c-438a-9ba1-08e63db50b47" providerId="ADAL" clId="{37A0D694-38DA-4421-B5D3-DEDBFC2EC57C}"/>
+    <pc:docChg chg="undo redo custSel mod addSld delSld modSld sldOrd modMainMaster">
+      <pc:chgData name="Zhao Jin" userId="cd05a825-544c-438a-9ba1-08e63db50b47" providerId="ADAL" clId="{37A0D694-38DA-4421-B5D3-DEDBFC2EC57C}" dt="2021-02-10T03:56:06.306" v="4973" actId="20577"/>
       <pc:docMkLst>
         <pc:docMk/>
       </pc:docMkLst>
-      <pc:sldChg chg="delSp modSp mod delAnim">
-        <pc:chgData name="Zhao Jin" userId="cd05a825-544c-438a-9ba1-08e63db50b47" providerId="ADAL" clId="{A5D2469F-D67A-41CC-8F01-671A516530F2}" dt="2021-04-07T08:36:27.560" v="1" actId="478"/>
+      <pc:sldChg chg="modSp mod">
+        <pc:chgData name="Zhao Jin" userId="cd05a825-544c-438a-9ba1-08e63db50b47" providerId="ADAL" clId="{37A0D694-38DA-4421-B5D3-DEDBFC2EC57C}" dt="2021-02-03T06:56:00.570" v="28" actId="20577"/>
+        <pc:sldMkLst>
+          <pc:docMk/>
+          <pc:sldMk cId="0" sldId="256"/>
+        </pc:sldMkLst>
+      </pc:sldChg>
+      <pc:sldChg chg="modSp mod">
+        <pc:chgData name="Zhao Jin" userId="cd05a825-544c-438a-9ba1-08e63db50b47" providerId="ADAL" clId="{37A0D694-38DA-4421-B5D3-DEDBFC2EC57C}" dt="2021-02-10T03:55:38.772" v="4967"/>
+        <pc:sldMkLst>
+          <pc:docMk/>
+          <pc:sldMk cId="2438607696" sldId="468"/>
+        </pc:sldMkLst>
+      </pc:sldChg>
+      <pc:sldChg chg="modSp del">
+        <pc:chgData name="Zhao Jin" userId="cd05a825-544c-438a-9ba1-08e63db50b47" providerId="ADAL" clId="{37A0D694-38DA-4421-B5D3-DEDBFC2EC57C}" dt="2021-02-03T07:53:06.972" v="43" actId="47"/>
+        <pc:sldMkLst>
+          <pc:docMk/>
+          <pc:sldMk cId="3792232794" sldId="504"/>
+        </pc:sldMkLst>
+      </pc:sldChg>
+      <pc:sldChg chg="addSp delSp modSp add mod ord modAnim">
+        <pc:chgData name="Zhao Jin" userId="cd05a825-544c-438a-9ba1-08e63db50b47" providerId="ADAL" clId="{37A0D694-38DA-4421-B5D3-DEDBFC2EC57C}" dt="2021-02-10T03:55:38.772" v="4967"/>
+        <pc:sldMkLst>
+          <pc:docMk/>
+          <pc:sldMk cId="1705639840" sldId="543"/>
+        </pc:sldMkLst>
+      </pc:sldChg>
+      <pc:sldChg chg="modSp del">
+        <pc:chgData name="Zhao Jin" userId="cd05a825-544c-438a-9ba1-08e63db50b47" providerId="ADAL" clId="{37A0D694-38DA-4421-B5D3-DEDBFC2EC57C}" dt="2021-02-03T09:00:14.226" v="1559" actId="47"/>
+        <pc:sldMkLst>
+          <pc:docMk/>
+          <pc:sldMk cId="4228901100" sldId="545"/>
+        </pc:sldMkLst>
+      </pc:sldChg>
+      <pc:sldChg chg="modSp del">
+        <pc:chgData name="Zhao Jin" userId="cd05a825-544c-438a-9ba1-08e63db50b47" providerId="ADAL" clId="{37A0D694-38DA-4421-B5D3-DEDBFC2EC57C}" dt="2021-02-03T07:53:07.263" v="44" actId="47"/>
+        <pc:sldMkLst>
+          <pc:docMk/>
+          <pc:sldMk cId="4225956616" sldId="546"/>
+        </pc:sldMkLst>
+      </pc:sldChg>
+      <pc:sldChg chg="modSp del">
+        <pc:chgData name="Zhao Jin" userId="cd05a825-544c-438a-9ba1-08e63db50b47" providerId="ADAL" clId="{37A0D694-38DA-4421-B5D3-DEDBFC2EC57C}" dt="2021-02-03T09:00:14.226" v="1559" actId="47"/>
+        <pc:sldMkLst>
+          <pc:docMk/>
+          <pc:sldMk cId="1617257579" sldId="548"/>
+        </pc:sldMkLst>
+      </pc:sldChg>
+      <pc:sldChg chg="modSp del">
+        <pc:chgData name="Zhao Jin" userId="cd05a825-544c-438a-9ba1-08e63db50b47" providerId="ADAL" clId="{37A0D694-38DA-4421-B5D3-DEDBFC2EC57C}" dt="2021-02-03T07:53:07.458" v="45" actId="47"/>
+        <pc:sldMkLst>
+          <pc:docMk/>
+          <pc:sldMk cId="3422194935" sldId="552"/>
+        </pc:sldMkLst>
+      </pc:sldChg>
+      <pc:sldChg chg="addSp delSp modSp mod">
+        <pc:chgData name="Zhao Jin" userId="cd05a825-544c-438a-9ba1-08e63db50b47" providerId="ADAL" clId="{37A0D694-38DA-4421-B5D3-DEDBFC2EC57C}" dt="2021-02-10T03:55:38.772" v="4967"/>
+        <pc:sldMkLst>
+          <pc:docMk/>
+          <pc:sldMk cId="1427618944" sldId="553"/>
+        </pc:sldMkLst>
+      </pc:sldChg>
+      <pc:sldChg chg="modSp del">
+        <pc:chgData name="Zhao Jin" userId="cd05a825-544c-438a-9ba1-08e63db50b47" providerId="ADAL" clId="{37A0D694-38DA-4421-B5D3-DEDBFC2EC57C}" dt="2021-02-03T09:00:14.226" v="1559" actId="47"/>
+        <pc:sldMkLst>
+          <pc:docMk/>
+          <pc:sldMk cId="1659983766" sldId="554"/>
+        </pc:sldMkLst>
+      </pc:sldChg>
+      <pc:sldChg chg="modSp del">
+        <pc:chgData name="Zhao Jin" userId="cd05a825-544c-438a-9ba1-08e63db50b47" providerId="ADAL" clId="{37A0D694-38DA-4421-B5D3-DEDBFC2EC57C}" dt="2021-02-03T09:00:14.226" v="1559" actId="47"/>
+        <pc:sldMkLst>
+          <pc:docMk/>
+          <pc:sldMk cId="1268238251" sldId="555"/>
+        </pc:sldMkLst>
+      </pc:sldChg>
+      <pc:sldChg chg="modSp del">
+        <pc:chgData name="Zhao Jin" userId="cd05a825-544c-438a-9ba1-08e63db50b47" providerId="ADAL" clId="{37A0D694-38DA-4421-B5D3-DEDBFC2EC57C}" dt="2021-02-03T09:00:14.226" v="1559" actId="47"/>
+        <pc:sldMkLst>
+          <pc:docMk/>
+          <pc:sldMk cId="3990513599" sldId="556"/>
+        </pc:sldMkLst>
+      </pc:sldChg>
+      <pc:sldChg chg="modSp del">
+        <pc:chgData name="Zhao Jin" userId="cd05a825-544c-438a-9ba1-08e63db50b47" providerId="ADAL" clId="{37A0D694-38DA-4421-B5D3-DEDBFC2EC57C}" dt="2021-02-03T09:00:14.226" v="1559" actId="47"/>
+        <pc:sldMkLst>
+          <pc:docMk/>
+          <pc:sldMk cId="788021743" sldId="557"/>
+        </pc:sldMkLst>
+      </pc:sldChg>
+      <pc:sldChg chg="addSp delSp modSp add mod ord delAnim modAnim">
+        <pc:chgData name="Zhao Jin" userId="cd05a825-544c-438a-9ba1-08e63db50b47" providerId="ADAL" clId="{37A0D694-38DA-4421-B5D3-DEDBFC2EC57C}" dt="2021-02-10T03:55:38.772" v="4967"/>
+        <pc:sldMkLst>
+          <pc:docMk/>
+          <pc:sldMk cId="487843573" sldId="558"/>
+        </pc:sldMkLst>
+      </pc:sldChg>
+      <pc:sldChg chg="modSp del">
+        <pc:chgData name="Zhao Jin" userId="cd05a825-544c-438a-9ba1-08e63db50b47" providerId="ADAL" clId="{37A0D694-38DA-4421-B5D3-DEDBFC2EC57C}" dt="2021-02-03T09:00:14.226" v="1559" actId="47"/>
+        <pc:sldMkLst>
+          <pc:docMk/>
+          <pc:sldMk cId="686532275" sldId="558"/>
+        </pc:sldMkLst>
+      </pc:sldChg>
+      <pc:sldChg chg="modSp del">
+        <pc:chgData name="Zhao Jin" userId="cd05a825-544c-438a-9ba1-08e63db50b47" providerId="ADAL" clId="{37A0D694-38DA-4421-B5D3-DEDBFC2EC57C}" dt="2021-02-03T09:00:14.226" v="1559" actId="47"/>
+        <pc:sldMkLst>
+          <pc:docMk/>
+          <pc:sldMk cId="182578491" sldId="559"/>
+        </pc:sldMkLst>
+      </pc:sldChg>
+      <pc:sldChg chg="modSp del">
+        <pc:chgData name="Zhao Jin" userId="cd05a825-544c-438a-9ba1-08e63db50b47" providerId="ADAL" clId="{37A0D694-38DA-4421-B5D3-DEDBFC2EC57C}" dt="2021-02-03T09:00:14.226" v="1559" actId="47"/>
+        <pc:sldMkLst>
+          <pc:docMk/>
+          <pc:sldMk cId="2739484572" sldId="562"/>
+        </pc:sldMkLst>
+      </pc:sldChg>
+      <pc:sldChg chg="delSp modSp add del mod">
+        <pc:chgData name="Zhao Jin" userId="cd05a825-544c-438a-9ba1-08e63db50b47" providerId="ADAL" clId="{37A0D694-38DA-4421-B5D3-DEDBFC2EC57C}" dt="2021-02-10T03:55:38.772" v="4967"/>
         <pc:sldMkLst>
           <pc:docMk/>
           <pc:sldMk cId="92291925" sldId="563"/>
         </pc:sldMkLst>
       </pc:sldChg>
-    </pc:docChg>
-  </pc:docChgLst>
-  <pc:docChgLst>
-    <pc:chgData name="Zhao Jin" userId="S::dcszjin@nus.edu.sg::cd05a825-544c-438a-9ba1-08e63db50b47" providerId="AD" clId="Web-{66D5AB6E-AF24-491D-9529-2DDB49AD3149}"/>
-    <pc:docChg chg="modSld">
-      <pc:chgData name="Zhao Jin" userId="S::dcszjin@nus.edu.sg::cd05a825-544c-438a-9ba1-08e63db50b47" providerId="AD" clId="Web-{66D5AB6E-AF24-491D-9529-2DDB49AD3149}" dt="2021-01-20T08:43:03.224" v="8" actId="14100"/>
-      <pc:docMkLst>
-        <pc:docMk/>
-      </pc:docMkLst>
-      <pc:sldChg chg="modSp">
-        <pc:chgData name="Zhao Jin" userId="S::dcszjin@nus.edu.sg::cd05a825-544c-438a-9ba1-08e63db50b47" providerId="AD" clId="Web-{66D5AB6E-AF24-491D-9529-2DDB49AD3149}" dt="2021-01-20T08:43:03.224" v="8" actId="14100"/>
+      <pc:sldChg chg="addSp delSp modSp add mod addAnim delAnim modAnim">
+        <pc:chgData name="Zhao Jin" userId="cd05a825-544c-438a-9ba1-08e63db50b47" providerId="ADAL" clId="{37A0D694-38DA-4421-B5D3-DEDBFC2EC57C}" dt="2021-02-10T03:55:38.772" v="4967"/>
         <pc:sldMkLst>
           <pc:docMk/>
-          <pc:sldMk cId="901453530" sldId="546"/>
+          <pc:sldMk cId="894186310" sldId="564"/>
         </pc:sldMkLst>
       </pc:sldChg>
+      <pc:sldChg chg="delSp modSp add mod">
+        <pc:chgData name="Zhao Jin" userId="cd05a825-544c-438a-9ba1-08e63db50b47" providerId="ADAL" clId="{37A0D694-38DA-4421-B5D3-DEDBFC2EC57C}" dt="2021-02-10T03:55:38.772" v="4967"/>
+        <pc:sldMkLst>
+          <pc:docMk/>
+          <pc:sldMk cId="1732540191" sldId="568"/>
+        </pc:sldMkLst>
+      </pc:sldChg>
+      <pc:sldChg chg="addSp delSp modSp add mod delAnim modAnim">
+        <pc:chgData name="Zhao Jin" userId="cd05a825-544c-438a-9ba1-08e63db50b47" providerId="ADAL" clId="{37A0D694-38DA-4421-B5D3-DEDBFC2EC57C}" dt="2021-02-10T03:56:06.306" v="4973" actId="20577"/>
+        <pc:sldMkLst>
+          <pc:docMk/>
+          <pc:sldMk cId="3229890649" sldId="569"/>
+        </pc:sldMkLst>
+      </pc:sldChg>
+      <pc:sldChg chg="addSp delSp modSp add del mod">
+        <pc:chgData name="Zhao Jin" userId="cd05a825-544c-438a-9ba1-08e63db50b47" providerId="ADAL" clId="{37A0D694-38DA-4421-B5D3-DEDBFC2EC57C}" dt="2021-02-10T03:55:38.772" v="4967"/>
+        <pc:sldMkLst>
+          <pc:docMk/>
+          <pc:sldMk cId="3922430229" sldId="580"/>
+        </pc:sldMkLst>
+      </pc:sldChg>
+      <pc:sldChg chg="delSp modSp add mod">
+        <pc:chgData name="Zhao Jin" userId="cd05a825-544c-438a-9ba1-08e63db50b47" providerId="ADAL" clId="{37A0D694-38DA-4421-B5D3-DEDBFC2EC57C}" dt="2021-02-10T03:55:38.772" v="4967"/>
+        <pc:sldMkLst>
+          <pc:docMk/>
+          <pc:sldMk cId="1886636263" sldId="581"/>
+        </pc:sldMkLst>
+      </pc:sldChg>
+      <pc:sldChg chg="modSp add del mod">
+        <pc:chgData name="Zhao Jin" userId="cd05a825-544c-438a-9ba1-08e63db50b47" providerId="ADAL" clId="{37A0D694-38DA-4421-B5D3-DEDBFC2EC57C}" dt="2021-02-03T08:47:45.744" v="1076" actId="47"/>
+        <pc:sldMkLst>
+          <pc:docMk/>
+          <pc:sldMk cId="893488834" sldId="587"/>
+        </pc:sldMkLst>
+      </pc:sldChg>
+      <pc:sldChg chg="addSp modSp add del mod">
+        <pc:chgData name="Zhao Jin" userId="cd05a825-544c-438a-9ba1-08e63db50b47" providerId="ADAL" clId="{37A0D694-38DA-4421-B5D3-DEDBFC2EC57C}" dt="2021-02-03T08:47:43.004" v="1075" actId="47"/>
+        <pc:sldMkLst>
+          <pc:docMk/>
+          <pc:sldMk cId="2663336489" sldId="588"/>
+        </pc:sldMkLst>
+      </pc:sldChg>
+      <pc:sldChg chg="addSp delSp modSp add mod">
+        <pc:chgData name="Zhao Jin" userId="cd05a825-544c-438a-9ba1-08e63db50b47" providerId="ADAL" clId="{37A0D694-38DA-4421-B5D3-DEDBFC2EC57C}" dt="2021-02-10T03:55:38.772" v="4967"/>
+        <pc:sldMkLst>
+          <pc:docMk/>
+          <pc:sldMk cId="211149325" sldId="589"/>
+        </pc:sldMkLst>
+      </pc:sldChg>
+      <pc:sldChg chg="addSp delSp modSp add mod delAnim modAnim">
+        <pc:chgData name="Zhao Jin" userId="cd05a825-544c-438a-9ba1-08e63db50b47" providerId="ADAL" clId="{37A0D694-38DA-4421-B5D3-DEDBFC2EC57C}" dt="2021-02-10T03:55:38.772" v="4967"/>
+        <pc:sldMkLst>
+          <pc:docMk/>
+          <pc:sldMk cId="4156536479" sldId="590"/>
+        </pc:sldMkLst>
+      </pc:sldChg>
+      <pc:sldChg chg="addSp delSp modSp add mod delAnim">
+        <pc:chgData name="Zhao Jin" userId="cd05a825-544c-438a-9ba1-08e63db50b47" providerId="ADAL" clId="{37A0D694-38DA-4421-B5D3-DEDBFC2EC57C}" dt="2021-02-10T03:55:38.772" v="4967"/>
+        <pc:sldMkLst>
+          <pc:docMk/>
+          <pc:sldMk cId="567798019" sldId="591"/>
+        </pc:sldMkLst>
+      </pc:sldChg>
+      <pc:sldChg chg="addSp delSp modSp add mod delAnim">
+        <pc:chgData name="Zhao Jin" userId="cd05a825-544c-438a-9ba1-08e63db50b47" providerId="ADAL" clId="{37A0D694-38DA-4421-B5D3-DEDBFC2EC57C}" dt="2021-02-10T03:55:38.772" v="4967"/>
+        <pc:sldMkLst>
+          <pc:docMk/>
+          <pc:sldMk cId="137810324" sldId="592"/>
+        </pc:sldMkLst>
+      </pc:sldChg>
+      <pc:sldChg chg="addSp delSp modSp add mod">
+        <pc:chgData name="Zhao Jin" userId="cd05a825-544c-438a-9ba1-08e63db50b47" providerId="ADAL" clId="{37A0D694-38DA-4421-B5D3-DEDBFC2EC57C}" dt="2021-02-10T03:55:38.772" v="4967"/>
+        <pc:sldMkLst>
+          <pc:docMk/>
+          <pc:sldMk cId="3233082706" sldId="593"/>
+        </pc:sldMkLst>
+      </pc:sldChg>
+      <pc:sldChg chg="add del">
+        <pc:chgData name="Zhao Jin" userId="cd05a825-544c-438a-9ba1-08e63db50b47" providerId="ADAL" clId="{37A0D694-38DA-4421-B5D3-DEDBFC2EC57C}" dt="2021-02-03T08:52:31.399" v="1274"/>
+        <pc:sldMkLst>
+          <pc:docMk/>
+          <pc:sldMk cId="2125946801" sldId="594"/>
+        </pc:sldMkLst>
+      </pc:sldChg>
+      <pc:sldChg chg="addSp delSp modSp add mod delAnim">
+        <pc:chgData name="Zhao Jin" userId="cd05a825-544c-438a-9ba1-08e63db50b47" providerId="ADAL" clId="{37A0D694-38DA-4421-B5D3-DEDBFC2EC57C}" dt="2021-02-10T03:55:38.772" v="4967"/>
+        <pc:sldMkLst>
+          <pc:docMk/>
+          <pc:sldMk cId="2217225800" sldId="594"/>
+        </pc:sldMkLst>
+      </pc:sldChg>
+      <pc:sldChg chg="addSp modSp add mod">
+        <pc:chgData name="Zhao Jin" userId="cd05a825-544c-438a-9ba1-08e63db50b47" providerId="ADAL" clId="{37A0D694-38DA-4421-B5D3-DEDBFC2EC57C}" dt="2021-02-10T03:55:38.772" v="4967"/>
+        <pc:sldMkLst>
+          <pc:docMk/>
+          <pc:sldMk cId="2419983458" sldId="595"/>
+        </pc:sldMkLst>
+      </pc:sldChg>
+      <pc:sldChg chg="addSp delSp modSp add del mod delAnim">
+        <pc:chgData name="Zhao Jin" userId="cd05a825-544c-438a-9ba1-08e63db50b47" providerId="ADAL" clId="{37A0D694-38DA-4421-B5D3-DEDBFC2EC57C}" dt="2021-02-03T09:05:13.520" v="1668" actId="47"/>
+        <pc:sldMkLst>
+          <pc:docMk/>
+          <pc:sldMk cId="765980287" sldId="596"/>
+        </pc:sldMkLst>
+      </pc:sldChg>
+      <pc:sldChg chg="addSp delSp modSp add mod delAnim modAnim">
+        <pc:chgData name="Zhao Jin" userId="cd05a825-544c-438a-9ba1-08e63db50b47" providerId="ADAL" clId="{37A0D694-38DA-4421-B5D3-DEDBFC2EC57C}" dt="2021-02-10T03:55:38.772" v="4967"/>
+        <pc:sldMkLst>
+          <pc:docMk/>
+          <pc:sldMk cId="3643682471" sldId="596"/>
+        </pc:sldMkLst>
+      </pc:sldChg>
+      <pc:sldChg chg="delSp modSp add mod modAnim">
+        <pc:chgData name="Zhao Jin" userId="cd05a825-544c-438a-9ba1-08e63db50b47" providerId="ADAL" clId="{37A0D694-38DA-4421-B5D3-DEDBFC2EC57C}" dt="2021-02-10T03:55:38.772" v="4967"/>
+        <pc:sldMkLst>
+          <pc:docMk/>
+          <pc:sldMk cId="3231946261" sldId="597"/>
+        </pc:sldMkLst>
+      </pc:sldChg>
+      <pc:sldChg chg="delSp modSp add mod ord">
+        <pc:chgData name="Zhao Jin" userId="cd05a825-544c-438a-9ba1-08e63db50b47" providerId="ADAL" clId="{37A0D694-38DA-4421-B5D3-DEDBFC2EC57C}" dt="2021-02-10T03:55:38.772" v="4967"/>
+        <pc:sldMkLst>
+          <pc:docMk/>
+          <pc:sldMk cId="4002657513" sldId="598"/>
+        </pc:sldMkLst>
+      </pc:sldChg>
+      <pc:sldChg chg="addSp delSp modSp add mod ord modClrScheme addAnim delAnim modAnim chgLayout">
+        <pc:chgData name="Zhao Jin" userId="cd05a825-544c-438a-9ba1-08e63db50b47" providerId="ADAL" clId="{37A0D694-38DA-4421-B5D3-DEDBFC2EC57C}" dt="2021-02-10T03:55:38.772" v="4967"/>
+        <pc:sldMkLst>
+          <pc:docMk/>
+          <pc:sldMk cId="2930953569" sldId="599"/>
+        </pc:sldMkLst>
+      </pc:sldChg>
+      <pc:sldChg chg="addSp delSp modSp add mod ord delAnim modAnim">
+        <pc:chgData name="Zhao Jin" userId="cd05a825-544c-438a-9ba1-08e63db50b47" providerId="ADAL" clId="{37A0D694-38DA-4421-B5D3-DEDBFC2EC57C}" dt="2021-02-10T03:55:38.772" v="4967"/>
+        <pc:sldMkLst>
+          <pc:docMk/>
+          <pc:sldMk cId="880934081" sldId="600"/>
+        </pc:sldMkLst>
+      </pc:sldChg>
+      <pc:sldMasterChg chg="modSp modSldLayout">
+        <pc:chgData name="Zhao Jin" userId="cd05a825-544c-438a-9ba1-08e63db50b47" providerId="ADAL" clId="{37A0D694-38DA-4421-B5D3-DEDBFC2EC57C}" dt="2021-02-10T03:55:38.772" v="4967"/>
+        <pc:sldMasterMkLst>
+          <pc:docMk/>
+          <pc:sldMasterMk cId="0" sldId="2147485087"/>
+        </pc:sldMasterMkLst>
+        <pc:sldLayoutChg chg="modSp">
+          <pc:chgData name="Zhao Jin" userId="cd05a825-544c-438a-9ba1-08e63db50b47" providerId="ADAL" clId="{37A0D694-38DA-4421-B5D3-DEDBFC2EC57C}" dt="2021-02-10T03:55:38.772" v="4967"/>
+          <pc:sldLayoutMkLst>
+            <pc:docMk/>
+            <pc:sldMasterMk cId="0" sldId="2147485087"/>
+            <pc:sldLayoutMk cId="0" sldId="2147485088"/>
+          </pc:sldLayoutMkLst>
+        </pc:sldLayoutChg>
+        <pc:sldLayoutChg chg="modSp">
+          <pc:chgData name="Zhao Jin" userId="cd05a825-544c-438a-9ba1-08e63db50b47" providerId="ADAL" clId="{37A0D694-38DA-4421-B5D3-DEDBFC2EC57C}" dt="2021-02-10T03:55:38.772" v="4967"/>
+          <pc:sldLayoutMkLst>
+            <pc:docMk/>
+            <pc:sldMasterMk cId="0" sldId="2147485087"/>
+            <pc:sldLayoutMk cId="0" sldId="2147485089"/>
+          </pc:sldLayoutMkLst>
+        </pc:sldLayoutChg>
+        <pc:sldLayoutChg chg="modSp">
+          <pc:chgData name="Zhao Jin" userId="cd05a825-544c-438a-9ba1-08e63db50b47" providerId="ADAL" clId="{37A0D694-38DA-4421-B5D3-DEDBFC2EC57C}" dt="2021-02-10T03:55:38.772" v="4967"/>
+          <pc:sldLayoutMkLst>
+            <pc:docMk/>
+            <pc:sldMasterMk cId="0" sldId="2147485087"/>
+            <pc:sldLayoutMk cId="0" sldId="2147485090"/>
+          </pc:sldLayoutMkLst>
+        </pc:sldLayoutChg>
+        <pc:sldLayoutChg chg="modSp">
+          <pc:chgData name="Zhao Jin" userId="cd05a825-544c-438a-9ba1-08e63db50b47" providerId="ADAL" clId="{37A0D694-38DA-4421-B5D3-DEDBFC2EC57C}" dt="2021-02-10T03:55:38.772" v="4967"/>
+          <pc:sldLayoutMkLst>
+            <pc:docMk/>
+            <pc:sldMasterMk cId="0" sldId="2147485087"/>
+            <pc:sldLayoutMk cId="0" sldId="2147485091"/>
+          </pc:sldLayoutMkLst>
+        </pc:sldLayoutChg>
+        <pc:sldLayoutChg chg="modSp">
+          <pc:chgData name="Zhao Jin" userId="cd05a825-544c-438a-9ba1-08e63db50b47" providerId="ADAL" clId="{37A0D694-38DA-4421-B5D3-DEDBFC2EC57C}" dt="2021-02-10T03:55:38.772" v="4967"/>
+          <pc:sldLayoutMkLst>
+            <pc:docMk/>
+            <pc:sldMasterMk cId="0" sldId="2147485087"/>
+            <pc:sldLayoutMk cId="0" sldId="2147485092"/>
+          </pc:sldLayoutMkLst>
+        </pc:sldLayoutChg>
+        <pc:sldLayoutChg chg="modSp">
+          <pc:chgData name="Zhao Jin" userId="cd05a825-544c-438a-9ba1-08e63db50b47" providerId="ADAL" clId="{37A0D694-38DA-4421-B5D3-DEDBFC2EC57C}" dt="2021-02-10T03:55:38.772" v="4967"/>
+          <pc:sldLayoutMkLst>
+            <pc:docMk/>
+            <pc:sldMasterMk cId="0" sldId="2147485087"/>
+            <pc:sldLayoutMk cId="0" sldId="2147485093"/>
+          </pc:sldLayoutMkLst>
+        </pc:sldLayoutChg>
+        <pc:sldLayoutChg chg="modSp">
+          <pc:chgData name="Zhao Jin" userId="cd05a825-544c-438a-9ba1-08e63db50b47" providerId="ADAL" clId="{37A0D694-38DA-4421-B5D3-DEDBFC2EC57C}" dt="2021-02-10T03:55:38.772" v="4967"/>
+          <pc:sldLayoutMkLst>
+            <pc:docMk/>
+            <pc:sldMasterMk cId="0" sldId="2147485087"/>
+            <pc:sldLayoutMk cId="0" sldId="2147485094"/>
+          </pc:sldLayoutMkLst>
+        </pc:sldLayoutChg>
+        <pc:sldLayoutChg chg="modSp">
+          <pc:chgData name="Zhao Jin" userId="cd05a825-544c-438a-9ba1-08e63db50b47" providerId="ADAL" clId="{37A0D694-38DA-4421-B5D3-DEDBFC2EC57C}" dt="2021-02-10T03:55:38.772" v="4967"/>
+          <pc:sldLayoutMkLst>
+            <pc:docMk/>
+            <pc:sldMasterMk cId="0" sldId="2147485087"/>
+            <pc:sldLayoutMk cId="0" sldId="2147485095"/>
+          </pc:sldLayoutMkLst>
+        </pc:sldLayoutChg>
+        <pc:sldLayoutChg chg="modSp">
+          <pc:chgData name="Zhao Jin" userId="cd05a825-544c-438a-9ba1-08e63db50b47" providerId="ADAL" clId="{37A0D694-38DA-4421-B5D3-DEDBFC2EC57C}" dt="2021-02-10T03:55:38.772" v="4967"/>
+          <pc:sldLayoutMkLst>
+            <pc:docMk/>
+            <pc:sldMasterMk cId="0" sldId="2147485087"/>
+            <pc:sldLayoutMk cId="0" sldId="2147485096"/>
+          </pc:sldLayoutMkLst>
+        </pc:sldLayoutChg>
+        <pc:sldLayoutChg chg="modSp">
+          <pc:chgData name="Zhao Jin" userId="cd05a825-544c-438a-9ba1-08e63db50b47" providerId="ADAL" clId="{37A0D694-38DA-4421-B5D3-DEDBFC2EC57C}" dt="2021-02-10T03:55:38.772" v="4967"/>
+          <pc:sldLayoutMkLst>
+            <pc:docMk/>
+            <pc:sldMasterMk cId="0" sldId="2147485087"/>
+            <pc:sldLayoutMk cId="0" sldId="2147485097"/>
+          </pc:sldLayoutMkLst>
+        </pc:sldLayoutChg>
+        <pc:sldLayoutChg chg="modSp">
+          <pc:chgData name="Zhao Jin" userId="cd05a825-544c-438a-9ba1-08e63db50b47" providerId="ADAL" clId="{37A0D694-38DA-4421-B5D3-DEDBFC2EC57C}" dt="2021-02-10T03:55:38.772" v="4967"/>
+          <pc:sldLayoutMkLst>
+            <pc:docMk/>
+            <pc:sldMasterMk cId="0" sldId="2147485087"/>
+            <pc:sldLayoutMk cId="0" sldId="2147485098"/>
+          </pc:sldLayoutMkLst>
+        </pc:sldLayoutChg>
+      </pc:sldMasterChg>
     </pc:docChg>
   </pc:docChgLst>
   <pc:docChgLst>
@@ -2038,28 +2284,30 @@
     </pc:docChg>
   </pc:docChgLst>
   <pc:docChgLst>
-    <pc:chgData name="Zhao Jin" userId="cd05a825-544c-438a-9ba1-08e63db50b47" providerId="ADAL" clId="{2707BC5D-D3D5-477E-B1F5-A74E6C040B7D}"/>
-    <pc:docChg chg="undo custSel addSld delSld modSld">
-      <pc:chgData name="Zhao Jin" userId="cd05a825-544c-438a-9ba1-08e63db50b47" providerId="ADAL" clId="{2707BC5D-D3D5-477E-B1F5-A74E6C040B7D}" dt="2024-02-13T01:39:17.114" v="16" actId="20577"/>
+    <pc:chgData name="Zhao Jin" userId="S::dcszjin@nus.edu.sg::cd05a825-544c-438a-9ba1-08e63db50b47" providerId="AD" clId="Web-{66D5AB6E-AF24-491D-9529-2DDB49AD3149}"/>
+    <pc:docChg chg="modSld">
+      <pc:chgData name="Zhao Jin" userId="S::dcszjin@nus.edu.sg::cd05a825-544c-438a-9ba1-08e63db50b47" providerId="AD" clId="Web-{66D5AB6E-AF24-491D-9529-2DDB49AD3149}" dt="2021-01-20T08:43:03.224" v="8" actId="14100"/>
       <pc:docMkLst>
         <pc:docMk/>
       </pc:docMkLst>
-      <pc:sldChg chg="add del">
-        <pc:chgData name="Zhao Jin" userId="cd05a825-544c-438a-9ba1-08e63db50b47" providerId="ADAL" clId="{2707BC5D-D3D5-477E-B1F5-A74E6C040B7D}" dt="2024-02-13T01:38:52.557" v="4"/>
+      <pc:sldChg chg="modSp">
+        <pc:chgData name="Zhao Jin" userId="S::dcszjin@nus.edu.sg::cd05a825-544c-438a-9ba1-08e63db50b47" providerId="AD" clId="Web-{66D5AB6E-AF24-491D-9529-2DDB49AD3149}" dt="2021-01-20T08:43:03.224" v="8" actId="14100"/>
         <pc:sldMkLst>
           <pc:docMk/>
-          <pc:sldMk cId="1903328497" sldId="521"/>
+          <pc:sldMk cId="901453530" sldId="546"/>
         </pc:sldMkLst>
       </pc:sldChg>
-      <pc:sldChg chg="add del">
-        <pc:chgData name="Zhao Jin" userId="cd05a825-544c-438a-9ba1-08e63db50b47" providerId="ADAL" clId="{2707BC5D-D3D5-477E-B1F5-A74E6C040B7D}" dt="2024-02-13T01:38:44.462" v="1" actId="47"/>
-        <pc:sldMkLst>
-          <pc:docMk/>
-          <pc:sldMk cId="1427618944" sldId="553"/>
-        </pc:sldMkLst>
-      </pc:sldChg>
-      <pc:sldChg chg="addSp delSp modSp add del mod delAnim">
-        <pc:chgData name="Zhao Jin" userId="cd05a825-544c-438a-9ba1-08e63db50b47" providerId="ADAL" clId="{2707BC5D-D3D5-477E-B1F5-A74E6C040B7D}" dt="2024-02-13T01:39:17.114" v="16" actId="20577"/>
+    </pc:docChg>
+  </pc:docChgLst>
+  <pc:docChgLst>
+    <pc:chgData name="Zhao Jin" userId="cd05a825-544c-438a-9ba1-08e63db50b47" providerId="ADAL" clId="{A5D2469F-D67A-41CC-8F01-671A516530F2}"/>
+    <pc:docChg chg="custSel modSld">
+      <pc:chgData name="Zhao Jin" userId="cd05a825-544c-438a-9ba1-08e63db50b47" providerId="ADAL" clId="{A5D2469F-D67A-41CC-8F01-671A516530F2}" dt="2021-04-07T08:36:27.560" v="1" actId="478"/>
+      <pc:docMkLst>
+        <pc:docMk/>
+      </pc:docMkLst>
+      <pc:sldChg chg="delSp modSp mod delAnim">
+        <pc:chgData name="Zhao Jin" userId="cd05a825-544c-438a-9ba1-08e63db50b47" providerId="ADAL" clId="{A5D2469F-D67A-41CC-8F01-671A516530F2}" dt="2021-04-07T08:36:27.560" v="1" actId="478"/>
         <pc:sldMkLst>
           <pc:docMk/>
           <pc:sldMk cId="92291925" sldId="563"/>
@@ -2068,248 +2316,17 @@
     </pc:docChg>
   </pc:docChgLst>
   <pc:docChgLst>
-    <pc:chgData name="Zhao Jin" userId="cd05a825-544c-438a-9ba1-08e63db50b47" providerId="ADAL" clId="{B1F7CFED-A664-443A-A173-5DFC1A50598C}"/>
-    <pc:docChg chg="undo custSel addSld delSld modSld sldOrd">
-      <pc:chgData name="Zhao Jin" userId="cd05a825-544c-438a-9ba1-08e63db50b47" providerId="ADAL" clId="{B1F7CFED-A664-443A-A173-5DFC1A50598C}" dt="2021-01-27T11:27:42.250" v="3304" actId="20577"/>
+    <pc:chgData name="Zhao Jin" userId="cd05a825-544c-438a-9ba1-08e63db50b47" providerId="ADAL" clId="{8BE350D2-6936-4764-AEB4-6940700BA7AB}"/>
+    <pc:docChg chg="modSld">
+      <pc:chgData name="Zhao Jin" userId="cd05a825-544c-438a-9ba1-08e63db50b47" providerId="ADAL" clId="{8BE350D2-6936-4764-AEB4-6940700BA7AB}" dt="2024-01-31T05:30:40.452" v="0"/>
       <pc:docMkLst>
         <pc:docMk/>
       </pc:docMkLst>
-      <pc:sldChg chg="modSp mod">
-        <pc:chgData name="Zhao Jin" userId="cd05a825-544c-438a-9ba1-08e63db50b47" providerId="ADAL" clId="{B1F7CFED-A664-443A-A173-5DFC1A50598C}" dt="2021-01-27T08:47:23.481" v="3299" actId="20577"/>
+      <pc:sldChg chg="addSp modSp">
+        <pc:chgData name="Zhao Jin" userId="cd05a825-544c-438a-9ba1-08e63db50b47" providerId="ADAL" clId="{8BE350D2-6936-4764-AEB4-6940700BA7AB}" dt="2024-01-31T05:30:40.452" v="0"/>
         <pc:sldMkLst>
           <pc:docMk/>
-          <pc:sldMk cId="2438607696" sldId="468"/>
-        </pc:sldMkLst>
-      </pc:sldChg>
-      <pc:sldChg chg="del">
-        <pc:chgData name="Zhao Jin" userId="cd05a825-544c-438a-9ba1-08e63db50b47" providerId="ADAL" clId="{B1F7CFED-A664-443A-A173-5DFC1A50598C}" dt="2021-01-27T07:50:44.942" v="2858" actId="47"/>
-        <pc:sldMkLst>
-          <pc:docMk/>
-          <pc:sldMk cId="1311126165" sldId="485"/>
-        </pc:sldMkLst>
-      </pc:sldChg>
-      <pc:sldChg chg="delSp modSp mod">
-        <pc:chgData name="Zhao Jin" userId="cd05a825-544c-438a-9ba1-08e63db50b47" providerId="ADAL" clId="{B1F7CFED-A664-443A-A173-5DFC1A50598C}" dt="2021-01-27T08:43:28.344" v="3236"/>
-        <pc:sldMkLst>
-          <pc:docMk/>
-          <pc:sldMk cId="3792232794" sldId="504"/>
-        </pc:sldMkLst>
-      </pc:sldChg>
-      <pc:sldChg chg="del">
-        <pc:chgData name="Zhao Jin" userId="cd05a825-544c-438a-9ba1-08e63db50b47" providerId="ADAL" clId="{B1F7CFED-A664-443A-A173-5DFC1A50598C}" dt="2021-01-27T07:50:44.942" v="2858" actId="47"/>
-        <pc:sldMkLst>
-          <pc:docMk/>
-          <pc:sldMk cId="681224785" sldId="531"/>
-        </pc:sldMkLst>
-      </pc:sldChg>
-      <pc:sldChg chg="addSp delSp modSp add del mod modAnim">
-        <pc:chgData name="Zhao Jin" userId="cd05a825-544c-438a-9ba1-08e63db50b47" providerId="ADAL" clId="{B1F7CFED-A664-443A-A173-5DFC1A50598C}" dt="2021-01-27T07:44:47.950" v="2625" actId="2696"/>
-        <pc:sldMkLst>
-          <pc:docMk/>
-          <pc:sldMk cId="375427509" sldId="545"/>
-        </pc:sldMkLst>
-      </pc:sldChg>
-      <pc:sldChg chg="addSp delSp modSp add del mod delAnim modAnim">
-        <pc:chgData name="Zhao Jin" userId="cd05a825-544c-438a-9ba1-08e63db50b47" providerId="ADAL" clId="{B1F7CFED-A664-443A-A173-5DFC1A50598C}" dt="2021-01-27T07:38:37.769" v="2178" actId="2696"/>
-        <pc:sldMkLst>
-          <pc:docMk/>
-          <pc:sldMk cId="1899776498" sldId="545"/>
-        </pc:sldMkLst>
-      </pc:sldChg>
-      <pc:sldChg chg="addSp delSp modSp add del mod delAnim modAnim">
-        <pc:chgData name="Zhao Jin" userId="cd05a825-544c-438a-9ba1-08e63db50b47" providerId="ADAL" clId="{B1F7CFED-A664-443A-A173-5DFC1A50598C}" dt="2021-01-27T08:38:52.330" v="2929" actId="2696"/>
-        <pc:sldMkLst>
-          <pc:docMk/>
-          <pc:sldMk cId="3702084380" sldId="545"/>
-        </pc:sldMkLst>
-      </pc:sldChg>
-      <pc:sldChg chg="modSp add mod">
-        <pc:chgData name="Zhao Jin" userId="cd05a825-544c-438a-9ba1-08e63db50b47" providerId="ADAL" clId="{B1F7CFED-A664-443A-A173-5DFC1A50598C}" dt="2021-01-27T11:27:42.250" v="3304" actId="20577"/>
-        <pc:sldMkLst>
-          <pc:docMk/>
-          <pc:sldMk cId="4228901100" sldId="545"/>
-        </pc:sldMkLst>
-      </pc:sldChg>
-      <pc:sldChg chg="delSp modSp mod">
-        <pc:chgData name="Zhao Jin" userId="cd05a825-544c-438a-9ba1-08e63db50b47" providerId="ADAL" clId="{B1F7CFED-A664-443A-A173-5DFC1A50598C}" dt="2021-01-27T08:43:28.344" v="3236"/>
-        <pc:sldMkLst>
-          <pc:docMk/>
-          <pc:sldMk cId="4225956616" sldId="546"/>
-        </pc:sldMkLst>
-      </pc:sldChg>
-      <pc:sldChg chg="addSp delSp modSp mod">
-        <pc:chgData name="Zhao Jin" userId="cd05a825-544c-438a-9ba1-08e63db50b47" providerId="ADAL" clId="{B1F7CFED-A664-443A-A173-5DFC1A50598C}" dt="2021-01-27T07:01:43.927" v="726" actId="207"/>
-        <pc:sldMkLst>
-          <pc:docMk/>
-          <pc:sldMk cId="1617257579" sldId="548"/>
-        </pc:sldMkLst>
-      </pc:sldChg>
-      <pc:sldChg chg="del">
-        <pc:chgData name="Zhao Jin" userId="cd05a825-544c-438a-9ba1-08e63db50b47" providerId="ADAL" clId="{B1F7CFED-A664-443A-A173-5DFC1A50598C}" dt="2021-01-27T07:50:44.942" v="2858" actId="47"/>
-        <pc:sldMkLst>
-          <pc:docMk/>
-          <pc:sldMk cId="3394924879" sldId="549"/>
-        </pc:sldMkLst>
-      </pc:sldChg>
-      <pc:sldChg chg="del">
-        <pc:chgData name="Zhao Jin" userId="cd05a825-544c-438a-9ba1-08e63db50b47" providerId="ADAL" clId="{B1F7CFED-A664-443A-A173-5DFC1A50598C}" dt="2021-01-27T07:50:44.942" v="2858" actId="47"/>
-        <pc:sldMkLst>
-          <pc:docMk/>
-          <pc:sldMk cId="784668950" sldId="550"/>
-        </pc:sldMkLst>
-      </pc:sldChg>
-      <pc:sldChg chg="delSp modSp mod">
-        <pc:chgData name="Zhao Jin" userId="cd05a825-544c-438a-9ba1-08e63db50b47" providerId="ADAL" clId="{B1F7CFED-A664-443A-A173-5DFC1A50598C}" dt="2021-01-27T08:43:28.344" v="3236"/>
-        <pc:sldMkLst>
-          <pc:docMk/>
-          <pc:sldMk cId="3422194935" sldId="552"/>
-        </pc:sldMkLst>
-      </pc:sldChg>
-      <pc:sldChg chg="delSp modSp mod">
-        <pc:chgData name="Zhao Jin" userId="cd05a825-544c-438a-9ba1-08e63db50b47" providerId="ADAL" clId="{B1F7CFED-A664-443A-A173-5DFC1A50598C}" dt="2021-01-27T08:43:28.344" v="3236"/>
-        <pc:sldMkLst>
-          <pc:docMk/>
-          <pc:sldMk cId="1427618944" sldId="553"/>
-        </pc:sldMkLst>
-      </pc:sldChg>
-      <pc:sldChg chg="delSp modSp mod">
-        <pc:chgData name="Zhao Jin" userId="cd05a825-544c-438a-9ba1-08e63db50b47" providerId="ADAL" clId="{B1F7CFED-A664-443A-A173-5DFC1A50598C}" dt="2021-01-27T08:43:28.344" v="3236"/>
-        <pc:sldMkLst>
-          <pc:docMk/>
-          <pc:sldMk cId="1659983766" sldId="554"/>
-        </pc:sldMkLst>
-      </pc:sldChg>
-      <pc:sldChg chg="addSp delSp modSp mod">
-        <pc:chgData name="Zhao Jin" userId="cd05a825-544c-438a-9ba1-08e63db50b47" providerId="ADAL" clId="{B1F7CFED-A664-443A-A173-5DFC1A50598C}" dt="2021-01-27T08:43:28.344" v="3236"/>
-        <pc:sldMkLst>
-          <pc:docMk/>
-          <pc:sldMk cId="1268238251" sldId="555"/>
-        </pc:sldMkLst>
-      </pc:sldChg>
-      <pc:sldChg chg="addSp delSp modSp add mod ord">
-        <pc:chgData name="Zhao Jin" userId="cd05a825-544c-438a-9ba1-08e63db50b47" providerId="ADAL" clId="{B1F7CFED-A664-443A-A173-5DFC1A50598C}" dt="2021-01-27T07:08:25.449" v="1116" actId="207"/>
-        <pc:sldMkLst>
-          <pc:docMk/>
-          <pc:sldMk cId="3990513599" sldId="556"/>
-        </pc:sldMkLst>
-      </pc:sldChg>
-      <pc:sldChg chg="modSp add mod">
-        <pc:chgData name="Zhao Jin" userId="cd05a825-544c-438a-9ba1-08e63db50b47" providerId="ADAL" clId="{B1F7CFED-A664-443A-A173-5DFC1A50598C}" dt="2021-01-27T07:10:49.029" v="1165" actId="1038"/>
-        <pc:sldMkLst>
-          <pc:docMk/>
-          <pc:sldMk cId="788021743" sldId="557"/>
-        </pc:sldMkLst>
-      </pc:sldChg>
-      <pc:sldChg chg="addSp delSp modSp add mod">
-        <pc:chgData name="Zhao Jin" userId="cd05a825-544c-438a-9ba1-08e63db50b47" providerId="ADAL" clId="{B1F7CFED-A664-443A-A173-5DFC1A50598C}" dt="2021-01-27T07:22:06.429" v="1447"/>
-        <pc:sldMkLst>
-          <pc:docMk/>
-          <pc:sldMk cId="686532275" sldId="558"/>
-        </pc:sldMkLst>
-      </pc:sldChg>
-      <pc:sldChg chg="delSp modSp add mod">
-        <pc:chgData name="Zhao Jin" userId="cd05a825-544c-438a-9ba1-08e63db50b47" providerId="ADAL" clId="{B1F7CFED-A664-443A-A173-5DFC1A50598C}" dt="2021-01-27T08:43:28.344" v="3236"/>
-        <pc:sldMkLst>
-          <pc:docMk/>
-          <pc:sldMk cId="182578491" sldId="559"/>
-        </pc:sldMkLst>
-      </pc:sldChg>
-      <pc:sldChg chg="add del">
-        <pc:chgData name="Zhao Jin" userId="cd05a825-544c-438a-9ba1-08e63db50b47" providerId="ADAL" clId="{B1F7CFED-A664-443A-A173-5DFC1A50598C}" dt="2021-01-27T07:13:34.600" v="1318" actId="47"/>
-        <pc:sldMkLst>
-          <pc:docMk/>
-          <pc:sldMk cId="730965808" sldId="559"/>
-        </pc:sldMkLst>
-      </pc:sldChg>
-      <pc:sldChg chg="addSp delSp modSp add del mod modAnim">
-        <pc:chgData name="Zhao Jin" userId="cd05a825-544c-438a-9ba1-08e63db50b47" providerId="ADAL" clId="{B1F7CFED-A664-443A-A173-5DFC1A50598C}" dt="2021-01-27T07:44:47.950" v="2625" actId="2696"/>
-        <pc:sldMkLst>
-          <pc:docMk/>
-          <pc:sldMk cId="2685445290" sldId="559"/>
-        </pc:sldMkLst>
-      </pc:sldChg>
-      <pc:sldChg chg="add del">
-        <pc:chgData name="Zhao Jin" userId="cd05a825-544c-438a-9ba1-08e63db50b47" providerId="ADAL" clId="{B1F7CFED-A664-443A-A173-5DFC1A50598C}" dt="2021-01-27T07:11:52.838" v="1191"/>
-        <pc:sldMkLst>
-          <pc:docMk/>
-          <pc:sldMk cId="3573907213" sldId="559"/>
-        </pc:sldMkLst>
-      </pc:sldChg>
-      <pc:sldChg chg="add del">
-        <pc:chgData name="Zhao Jin" userId="cd05a825-544c-438a-9ba1-08e63db50b47" providerId="ADAL" clId="{B1F7CFED-A664-443A-A173-5DFC1A50598C}" dt="2021-01-27T08:38:52.330" v="2929" actId="2696"/>
-        <pc:sldMkLst>
-          <pc:docMk/>
-          <pc:sldMk cId="3681791183" sldId="559"/>
-        </pc:sldMkLst>
-      </pc:sldChg>
-      <pc:sldChg chg="add del">
-        <pc:chgData name="Zhao Jin" userId="cd05a825-544c-438a-9ba1-08e63db50b47" providerId="ADAL" clId="{B1F7CFED-A664-443A-A173-5DFC1A50598C}" dt="2021-01-27T07:44:47.950" v="2625" actId="2696"/>
-        <pc:sldMkLst>
-          <pc:docMk/>
-          <pc:sldMk cId="705142466" sldId="560"/>
-        </pc:sldMkLst>
-      </pc:sldChg>
-      <pc:sldChg chg="delSp modSp add del mod">
-        <pc:chgData name="Zhao Jin" userId="cd05a825-544c-438a-9ba1-08e63db50b47" providerId="ADAL" clId="{B1F7CFED-A664-443A-A173-5DFC1A50598C}" dt="2021-01-27T11:27:21.918" v="3300" actId="47"/>
-        <pc:sldMkLst>
-          <pc:docMk/>
-          <pc:sldMk cId="2633024700" sldId="560"/>
-        </pc:sldMkLst>
-      </pc:sldChg>
-      <pc:sldChg chg="add del">
-        <pc:chgData name="Zhao Jin" userId="cd05a825-544c-438a-9ba1-08e63db50b47" providerId="ADAL" clId="{B1F7CFED-A664-443A-A173-5DFC1A50598C}" dt="2021-01-27T08:38:52.330" v="2929" actId="2696"/>
-        <pc:sldMkLst>
-          <pc:docMk/>
-          <pc:sldMk cId="3566869056" sldId="560"/>
-        </pc:sldMkLst>
-      </pc:sldChg>
-      <pc:sldChg chg="addSp delSp modSp add del mod">
-        <pc:chgData name="Zhao Jin" userId="cd05a825-544c-438a-9ba1-08e63db50b47" providerId="ADAL" clId="{B1F7CFED-A664-443A-A173-5DFC1A50598C}" dt="2021-01-27T07:49:21.777" v="2832" actId="47"/>
-        <pc:sldMkLst>
-          <pc:docMk/>
-          <pc:sldMk cId="3148407277" sldId="561"/>
-        </pc:sldMkLst>
-      </pc:sldChg>
-      <pc:sldChg chg="addSp delSp modSp add del mod">
-        <pc:chgData name="Zhao Jin" userId="cd05a825-544c-438a-9ba1-08e63db50b47" providerId="ADAL" clId="{B1F7CFED-A664-443A-A173-5DFC1A50598C}" dt="2021-01-27T08:38:52.330" v="2929" actId="2696"/>
-        <pc:sldMkLst>
-          <pc:docMk/>
-          <pc:sldMk cId="1212688123" sldId="562"/>
-        </pc:sldMkLst>
-      </pc:sldChg>
-      <pc:sldChg chg="modSp add mod">
-        <pc:chgData name="Zhao Jin" userId="cd05a825-544c-438a-9ba1-08e63db50b47" providerId="ADAL" clId="{B1F7CFED-A664-443A-A173-5DFC1A50598C}" dt="2021-01-27T11:27:39.570" v="3303" actId="20577"/>
-        <pc:sldMkLst>
-          <pc:docMk/>
-          <pc:sldMk cId="2739484572" sldId="562"/>
-        </pc:sldMkLst>
-      </pc:sldChg>
-      <pc:sldChg chg="add del">
-        <pc:chgData name="Zhao Jin" userId="cd05a825-544c-438a-9ba1-08e63db50b47" providerId="ADAL" clId="{B1F7CFED-A664-443A-A173-5DFC1A50598C}" dt="2021-01-27T07:47:00.213" v="2716"/>
-        <pc:sldMkLst>
-          <pc:docMk/>
-          <pc:sldMk cId="3295203065" sldId="562"/>
-        </pc:sldMkLst>
-      </pc:sldChg>
-      <pc:sldChg chg="addSp delSp modSp add del mod delAnim">
-        <pc:chgData name="Zhao Jin" userId="cd05a825-544c-438a-9ba1-08e63db50b47" providerId="ADAL" clId="{B1F7CFED-A664-443A-A173-5DFC1A50598C}" dt="2021-01-27T07:45:01.753" v="2627" actId="47"/>
-        <pc:sldMkLst>
-          <pc:docMk/>
-          <pc:sldMk cId="3302621336" sldId="572"/>
-        </pc:sldMkLst>
-      </pc:sldChg>
-      <pc:sldChg chg="add del">
-        <pc:chgData name="Zhao Jin" userId="cd05a825-544c-438a-9ba1-08e63db50b47" providerId="ADAL" clId="{B1F7CFED-A664-443A-A173-5DFC1A50598C}" dt="2021-01-27T07:28:38.512" v="1708"/>
-        <pc:sldMkLst>
-          <pc:docMk/>
-          <pc:sldMk cId="2030195840" sldId="573"/>
-        </pc:sldMkLst>
-      </pc:sldChg>
-      <pc:sldChg chg="add del">
-        <pc:chgData name="Zhao Jin" userId="cd05a825-544c-438a-9ba1-08e63db50b47" providerId="ADAL" clId="{B1F7CFED-A664-443A-A173-5DFC1A50598C}" dt="2021-01-27T07:23:10.496" v="1527" actId="47"/>
-        <pc:sldMkLst>
-          <pc:docMk/>
-          <pc:sldMk cId="3321788103" sldId="573"/>
+          <pc:sldMk cId="0" sldId="256"/>
         </pc:sldMkLst>
       </pc:sldChg>
     </pc:docChg>
@@ -24451,6 +24468,58 @@
           </a:p>
         </p:txBody>
       </p:sp>
+      <p:sp>
+        <p:nvSpPr>
+          <p:cNvPr id="3" name="TextBox 2">
+            <a:extLst>
+              <a:ext uri="{FF2B5EF4-FFF2-40B4-BE49-F238E27FC236}">
+                <a16:creationId xmlns:a16="http://schemas.microsoft.com/office/drawing/2014/main" id="{28A7B86F-5696-DDDD-65FA-05CBF4E66D38}"/>
+              </a:ext>
+            </a:extLst>
+          </p:cNvPr>
+          <p:cNvSpPr txBox="1"/>
+          <p:nvPr/>
+        </p:nvSpPr>
+        <p:spPr>
+          <a:xfrm>
+            <a:off x="6811931" y="5024219"/>
+            <a:ext cx="2103469" cy="646331"/>
+          </a:xfrm>
+          <a:prstGeom prst="rect">
+            <a:avLst/>
+          </a:prstGeom>
+          <a:solidFill>
+            <a:srgbClr val="CCFFFF"/>
+          </a:solidFill>
+          <a:ln w="12700"/>
+        </p:spPr>
+        <p:style>
+          <a:lnRef idx="2">
+            <a:schemeClr val="accent4"/>
+          </a:lnRef>
+          <a:fillRef idx="1">
+            <a:schemeClr val="lt1"/>
+          </a:fillRef>
+          <a:effectRef idx="0">
+            <a:schemeClr val="accent4"/>
+          </a:effectRef>
+          <a:fontRef idx="minor">
+            <a:schemeClr val="dk1"/>
+          </a:fontRef>
+        </p:style>
+        <p:txBody>
+          <a:bodyPr wrap="square" rtlCol="0">
+            <a:spAutoFit/>
+          </a:bodyPr>
+          <a:lstStyle/>
+          <a:p>
+            <a:r>
+              <a:rPr lang="en-US" dirty="0"/>
+              <a:t>Does this function work correctly?</a:t>
+            </a:r>
+          </a:p>
+        </p:txBody>
+      </p:sp>
     </p:spTree>
     <p:extLst>
       <p:ext uri="{BB962C8B-B14F-4D97-AF65-F5344CB8AC3E}">
@@ -24464,6 +24533,84 @@
   <p:transition>
     <p:fade/>
   </p:transition>
+  <p:timing>
+    <p:tnLst>
+      <p:par>
+        <p:cTn id="1" dur="indefinite" restart="never" nodeType="tmRoot">
+          <p:childTnLst>
+            <p:seq concurrent="1" nextAc="seek">
+              <p:cTn id="2" dur="indefinite" nodeType="mainSeq">
+                <p:childTnLst>
+                  <p:par>
+                    <p:cTn id="3" fill="hold">
+                      <p:stCondLst>
+                        <p:cond delay="indefinite"/>
+                      </p:stCondLst>
+                      <p:childTnLst>
+                        <p:par>
+                          <p:cTn id="4" fill="hold">
+                            <p:stCondLst>
+                              <p:cond delay="0"/>
+                            </p:stCondLst>
+                            <p:childTnLst>
+                              <p:par>
+                                <p:cTn id="5" presetID="1" presetClass="entr" presetSubtype="0" fill="hold" grpId="0" nodeType="clickEffect">
+                                  <p:stCondLst>
+                                    <p:cond delay="0"/>
+                                  </p:stCondLst>
+                                  <p:childTnLst>
+                                    <p:set>
+                                      <p:cBhvr>
+                                        <p:cTn id="6" dur="1" fill="hold">
+                                          <p:stCondLst>
+                                            <p:cond delay="0"/>
+                                          </p:stCondLst>
+                                        </p:cTn>
+                                        <p:tgtEl>
+                                          <p:spTgt spid="3"/>
+                                        </p:tgtEl>
+                                        <p:attrNameLst>
+                                          <p:attrName>style.visibility</p:attrName>
+                                        </p:attrNameLst>
+                                      </p:cBhvr>
+                                      <p:to>
+                                        <p:strVal val="visible"/>
+                                      </p:to>
+                                    </p:set>
+                                  </p:childTnLst>
+                                </p:cTn>
+                              </p:par>
+                            </p:childTnLst>
+                          </p:cTn>
+                        </p:par>
+                      </p:childTnLst>
+                    </p:cTn>
+                  </p:par>
+                </p:childTnLst>
+              </p:cTn>
+              <p:prevCondLst>
+                <p:cond evt="onPrev" delay="0">
+                  <p:tgtEl>
+                    <p:sldTgt/>
+                  </p:tgtEl>
+                </p:cond>
+              </p:prevCondLst>
+              <p:nextCondLst>
+                <p:cond evt="onNext" delay="0">
+                  <p:tgtEl>
+                    <p:sldTgt/>
+                  </p:tgtEl>
+                </p:cond>
+              </p:nextCondLst>
+            </p:seq>
+          </p:childTnLst>
+        </p:cTn>
+      </p:par>
+    </p:tnLst>
+    <p:bldLst>
+      <p:bldP spid="3" grpId="0" animBg="1"/>
+    </p:bldLst>
+  </p:timing>
 </p:sld>
 </file>
 
